--- a/Report/report lib/slides/1.pptx
+++ b/Report/report lib/slides/1.pptx
@@ -7,6 +7,8 @@
   <p:sldIdLst>
     <p:sldId id="256" r:id="rId2"/>
     <p:sldId id="257" r:id="rId3"/>
+    <p:sldId id="258" r:id="rId4"/>
+    <p:sldId id="260" r:id="rId5"/>
   </p:sldIdLst>
   <p:sldSz cx="9144000" cy="6858000" type="screen4x3"/>
   <p:notesSz cx="6858000" cy="9144000"/>
@@ -5117,7 +5119,7 @@
         </p:blipFill>
         <p:spPr>
           <a:xfrm>
-            <a:off x="1000100" y="785794"/>
+            <a:off x="1038448" y="66015"/>
             <a:ext cx="928694" cy="864922"/>
           </a:xfrm>
           <a:prstGeom prst="rect">
@@ -5142,7 +5144,7 @@
         </p:blipFill>
         <p:spPr bwMode="auto">
           <a:xfrm>
-            <a:off x="6072198" y="571480"/>
+            <a:off x="6072198" y="428604"/>
             <a:ext cx="1571636" cy="387670"/>
           </a:xfrm>
           <a:prstGeom prst="rect">
@@ -5159,7 +5161,7 @@
         </p:nvSpPr>
         <p:spPr>
           <a:xfrm>
-            <a:off x="6000760" y="1714488"/>
+            <a:off x="6072198" y="928670"/>
             <a:ext cx="1584176" cy="369332"/>
           </a:xfrm>
           <a:prstGeom prst="rect">
@@ -5193,7 +5195,7 @@
         </p:nvSpPr>
         <p:spPr>
           <a:xfrm>
-            <a:off x="714348" y="1785926"/>
+            <a:off x="814814" y="983327"/>
             <a:ext cx="1501265" cy="371258"/>
           </a:xfrm>
           <a:prstGeom prst="rect">
@@ -5219,6 +5221,1496 @@
           </a:p>
         </p:txBody>
       </p:sp>
+      <p:cxnSp>
+        <p:nvCxnSpPr>
+          <p:cNvPr id="8" name="Straight Arrow Connector 7"/>
+          <p:cNvCxnSpPr/>
+          <p:nvPr/>
+        </p:nvCxnSpPr>
+        <p:spPr>
+          <a:xfrm>
+            <a:off x="1584304" y="1519226"/>
+            <a:ext cx="5273696" cy="436574"/>
+          </a:xfrm>
+          <a:prstGeom prst="straightConnector1">
+            <a:avLst/>
+          </a:prstGeom>
+          <a:ln w="50800">
+            <a:solidFill>
+              <a:schemeClr val="bg2">
+                <a:lumMod val="25000"/>
+              </a:schemeClr>
+            </a:solidFill>
+            <a:tailEnd type="arrow"/>
+          </a:ln>
+        </p:spPr>
+        <p:style>
+          <a:lnRef idx="1">
+            <a:schemeClr val="accent1"/>
+          </a:lnRef>
+          <a:fillRef idx="0">
+            <a:schemeClr val="accent1"/>
+          </a:fillRef>
+          <a:effectRef idx="0">
+            <a:schemeClr val="accent1"/>
+          </a:effectRef>
+          <a:fontRef idx="minor">
+            <a:schemeClr val="tx1"/>
+          </a:fontRef>
+        </p:style>
+      </p:cxnSp>
+      <p:sp>
+        <p:nvSpPr>
+          <p:cNvPr id="12" name="TextBox 11"/>
+          <p:cNvSpPr txBox="1"/>
+          <p:nvPr/>
+        </p:nvSpPr>
+        <p:spPr>
+          <a:xfrm>
+            <a:off x="3397240" y="1347774"/>
+            <a:ext cx="2214578" cy="307777"/>
+          </a:xfrm>
+          <a:prstGeom prst="rect">
+            <a:avLst/>
+          </a:prstGeom>
+          <a:noFill/>
+        </p:spPr>
+        <p:txBody>
+          <a:bodyPr wrap="square" rtlCol="0">
+            <a:spAutoFit/>
+          </a:bodyPr>
+          <a:lstStyle/>
+          <a:p>
+            <a:r>
+              <a:rPr lang="en-IE" sz="1400" b="1" i="1" dirty="0" smtClean="0"/>
+              <a:t>Send OPTIONS</a:t>
+            </a:r>
+            <a:endParaRPr lang="en-IE" sz="1400" b="1" i="1" dirty="0" smtClean="0"/>
+          </a:p>
+        </p:txBody>
+      </p:sp>
+      <p:cxnSp>
+        <p:nvCxnSpPr>
+          <p:cNvPr id="13" name="Straight Arrow Connector 12"/>
+          <p:cNvCxnSpPr/>
+          <p:nvPr/>
+        </p:nvCxnSpPr>
+        <p:spPr>
+          <a:xfrm rot="10800000" flipV="1">
+            <a:off x="1565272" y="2209800"/>
+            <a:ext cx="5318128" cy="665166"/>
+          </a:xfrm>
+          <a:prstGeom prst="straightConnector1">
+            <a:avLst/>
+          </a:prstGeom>
+          <a:ln w="50800">
+            <a:solidFill>
+              <a:schemeClr val="bg2">
+                <a:lumMod val="25000"/>
+              </a:schemeClr>
+            </a:solidFill>
+            <a:tailEnd type="arrow"/>
+          </a:ln>
+        </p:spPr>
+        <p:style>
+          <a:lnRef idx="1">
+            <a:schemeClr val="accent1"/>
+          </a:lnRef>
+          <a:fillRef idx="0">
+            <a:schemeClr val="accent1"/>
+          </a:fillRef>
+          <a:effectRef idx="0">
+            <a:schemeClr val="accent1"/>
+          </a:effectRef>
+          <a:fontRef idx="minor">
+            <a:schemeClr val="tx1"/>
+          </a:fontRef>
+        </p:style>
+      </p:cxnSp>
+      <p:sp>
+        <p:nvSpPr>
+          <p:cNvPr id="16" name="TextBox 15"/>
+          <p:cNvSpPr txBox="1"/>
+          <p:nvPr/>
+        </p:nvSpPr>
+        <p:spPr>
+          <a:xfrm>
+            <a:off x="3378192" y="2003424"/>
+            <a:ext cx="2214578" cy="307777"/>
+          </a:xfrm>
+          <a:prstGeom prst="rect">
+            <a:avLst/>
+          </a:prstGeom>
+          <a:noFill/>
+        </p:spPr>
+        <p:txBody>
+          <a:bodyPr wrap="square" rtlCol="0">
+            <a:spAutoFit/>
+          </a:bodyPr>
+          <a:lstStyle/>
+          <a:p>
+            <a:r>
+              <a:rPr lang="en-IE" sz="1400" b="1" i="1" dirty="0" smtClean="0"/>
+              <a:t>ACK OPTIONS</a:t>
+            </a:r>
+            <a:endParaRPr lang="en-IE" sz="1400" b="1" i="1" dirty="0" smtClean="0"/>
+          </a:p>
+        </p:txBody>
+      </p:sp>
+      <p:cxnSp>
+        <p:nvCxnSpPr>
+          <p:cNvPr id="17" name="Straight Arrow Connector 16"/>
+          <p:cNvCxnSpPr>
+            <a:stCxn id="7" idx="2"/>
+          </p:cNvCxnSpPr>
+          <p:nvPr/>
+        </p:nvCxnSpPr>
+        <p:spPr>
+          <a:xfrm rot="16200000" flipH="1">
+            <a:off x="-1040318" y="3960349"/>
+            <a:ext cx="5217687" cy="6157"/>
+          </a:xfrm>
+          <a:prstGeom prst="straightConnector1">
+            <a:avLst/>
+          </a:prstGeom>
+          <a:ln w="50800">
+            <a:solidFill>
+              <a:schemeClr val="bg2">
+                <a:lumMod val="25000"/>
+              </a:schemeClr>
+            </a:solidFill>
+            <a:tailEnd type="arrow"/>
+          </a:ln>
+        </p:spPr>
+        <p:style>
+          <a:lnRef idx="1">
+            <a:schemeClr val="accent1"/>
+          </a:lnRef>
+          <a:fillRef idx="0">
+            <a:schemeClr val="accent1"/>
+          </a:fillRef>
+          <a:effectRef idx="0">
+            <a:schemeClr val="accent1"/>
+          </a:effectRef>
+          <a:fontRef idx="minor">
+            <a:schemeClr val="tx1"/>
+          </a:fontRef>
+        </p:style>
+      </p:cxnSp>
+      <p:cxnSp>
+        <p:nvCxnSpPr>
+          <p:cNvPr id="20" name="Straight Arrow Connector 19"/>
+          <p:cNvCxnSpPr>
+            <a:stCxn id="6" idx="2"/>
+          </p:cNvCxnSpPr>
+          <p:nvPr/>
+        </p:nvCxnSpPr>
+        <p:spPr>
+          <a:xfrm rot="5400000">
+            <a:off x="4259735" y="3896283"/>
+            <a:ext cx="5202832" cy="6270"/>
+          </a:xfrm>
+          <a:prstGeom prst="straightConnector1">
+            <a:avLst/>
+          </a:prstGeom>
+          <a:ln w="50800">
+            <a:solidFill>
+              <a:schemeClr val="bg2">
+                <a:lumMod val="25000"/>
+              </a:schemeClr>
+            </a:solidFill>
+            <a:tailEnd type="arrow"/>
+          </a:ln>
+        </p:spPr>
+        <p:style>
+          <a:lnRef idx="1">
+            <a:schemeClr val="accent1"/>
+          </a:lnRef>
+          <a:fillRef idx="0">
+            <a:schemeClr val="accent1"/>
+          </a:fillRef>
+          <a:effectRef idx="0">
+            <a:schemeClr val="accent1"/>
+          </a:effectRef>
+          <a:fontRef idx="minor">
+            <a:schemeClr val="tx1"/>
+          </a:fontRef>
+        </p:style>
+      </p:cxnSp>
+      <p:cxnSp>
+        <p:nvCxnSpPr>
+          <p:cNvPr id="29" name="Straight Arrow Connector 28"/>
+          <p:cNvCxnSpPr/>
+          <p:nvPr/>
+        </p:nvCxnSpPr>
+        <p:spPr>
+          <a:xfrm>
+            <a:off x="1587500" y="3124200"/>
+            <a:ext cx="5295900" cy="457200"/>
+          </a:xfrm>
+          <a:prstGeom prst="straightConnector1">
+            <a:avLst/>
+          </a:prstGeom>
+          <a:ln w="50800">
+            <a:solidFill>
+              <a:schemeClr val="bg2">
+                <a:lumMod val="25000"/>
+              </a:schemeClr>
+            </a:solidFill>
+            <a:tailEnd type="arrow"/>
+          </a:ln>
+        </p:spPr>
+        <p:style>
+          <a:lnRef idx="1">
+            <a:schemeClr val="accent1"/>
+          </a:lnRef>
+          <a:fillRef idx="0">
+            <a:schemeClr val="accent1"/>
+          </a:fillRef>
+          <a:effectRef idx="0">
+            <a:schemeClr val="accent1"/>
+          </a:effectRef>
+          <a:fontRef idx="minor">
+            <a:schemeClr val="tx1"/>
+          </a:fontRef>
+        </p:style>
+      </p:cxnSp>
+      <p:sp>
+        <p:nvSpPr>
+          <p:cNvPr id="30" name="TextBox 29"/>
+          <p:cNvSpPr txBox="1"/>
+          <p:nvPr/>
+        </p:nvSpPr>
+        <p:spPr>
+          <a:xfrm>
+            <a:off x="3403592" y="2870200"/>
+            <a:ext cx="2214578" cy="307777"/>
+          </a:xfrm>
+          <a:prstGeom prst="rect">
+            <a:avLst/>
+          </a:prstGeom>
+          <a:noFill/>
+        </p:spPr>
+        <p:txBody>
+          <a:bodyPr wrap="square" rtlCol="0">
+            <a:spAutoFit/>
+          </a:bodyPr>
+          <a:lstStyle/>
+          <a:p>
+            <a:r>
+              <a:rPr lang="en-IE" sz="1400" b="1" i="1" dirty="0" smtClean="0"/>
+              <a:t>Send SONG_SELECT</a:t>
+            </a:r>
+            <a:endParaRPr lang="en-IE" sz="1400" b="1" i="1" dirty="0" smtClean="0"/>
+          </a:p>
+        </p:txBody>
+      </p:sp>
+      <p:sp>
+        <p:nvSpPr>
+          <p:cNvPr id="31" name="TextBox 30"/>
+          <p:cNvSpPr txBox="1"/>
+          <p:nvPr/>
+        </p:nvSpPr>
+        <p:spPr>
+          <a:xfrm>
+            <a:off x="3386134" y="3681414"/>
+            <a:ext cx="2214578" cy="307777"/>
+          </a:xfrm>
+          <a:prstGeom prst="rect">
+            <a:avLst/>
+          </a:prstGeom>
+          <a:noFill/>
+        </p:spPr>
+        <p:txBody>
+          <a:bodyPr wrap="square" rtlCol="0">
+            <a:spAutoFit/>
+          </a:bodyPr>
+          <a:lstStyle/>
+          <a:p>
+            <a:r>
+              <a:rPr lang="en-IE" sz="1400" b="1" i="1" dirty="0" smtClean="0"/>
+              <a:t>ACK SONG_SELECT</a:t>
+            </a:r>
+            <a:endParaRPr lang="en-IE" sz="1400" b="1" i="1" dirty="0" smtClean="0"/>
+          </a:p>
+        </p:txBody>
+      </p:sp>
+      <p:cxnSp>
+        <p:nvCxnSpPr>
+          <p:cNvPr id="32" name="Straight Arrow Connector 31"/>
+          <p:cNvCxnSpPr/>
+          <p:nvPr/>
+        </p:nvCxnSpPr>
+        <p:spPr>
+          <a:xfrm rot="10800000" flipV="1">
+            <a:off x="1571604" y="3929066"/>
+            <a:ext cx="5303838" cy="500066"/>
+          </a:xfrm>
+          <a:prstGeom prst="straightConnector1">
+            <a:avLst/>
+          </a:prstGeom>
+          <a:ln w="50800">
+            <a:solidFill>
+              <a:schemeClr val="bg2">
+                <a:lumMod val="25000"/>
+              </a:schemeClr>
+            </a:solidFill>
+            <a:tailEnd type="arrow"/>
+          </a:ln>
+        </p:spPr>
+        <p:style>
+          <a:lnRef idx="1">
+            <a:schemeClr val="accent1"/>
+          </a:lnRef>
+          <a:fillRef idx="0">
+            <a:schemeClr val="accent1"/>
+          </a:fillRef>
+          <a:effectRef idx="0">
+            <a:schemeClr val="accent1"/>
+          </a:effectRef>
+          <a:fontRef idx="minor">
+            <a:schemeClr val="tx1"/>
+          </a:fontRef>
+        </p:style>
+      </p:cxnSp>
+      <p:cxnSp>
+        <p:nvCxnSpPr>
+          <p:cNvPr id="45" name="Straight Arrow Connector 44"/>
+          <p:cNvCxnSpPr/>
+          <p:nvPr/>
+        </p:nvCxnSpPr>
+        <p:spPr>
+          <a:xfrm>
+            <a:off x="1571604" y="4714884"/>
+            <a:ext cx="5321300" cy="468318"/>
+          </a:xfrm>
+          <a:prstGeom prst="straightConnector1">
+            <a:avLst/>
+          </a:prstGeom>
+          <a:ln w="50800">
+            <a:solidFill>
+              <a:schemeClr val="bg2">
+                <a:lumMod val="25000"/>
+              </a:schemeClr>
+            </a:solidFill>
+            <a:tailEnd type="arrow"/>
+          </a:ln>
+        </p:spPr>
+        <p:style>
+          <a:lnRef idx="1">
+            <a:schemeClr val="accent1"/>
+          </a:lnRef>
+          <a:fillRef idx="0">
+            <a:schemeClr val="accent1"/>
+          </a:fillRef>
+          <a:effectRef idx="0">
+            <a:schemeClr val="accent1"/>
+          </a:effectRef>
+          <a:fontRef idx="minor">
+            <a:schemeClr val="tx1"/>
+          </a:fontRef>
+        </p:style>
+      </p:cxnSp>
+      <p:sp>
+        <p:nvSpPr>
+          <p:cNvPr id="46" name="TextBox 45"/>
+          <p:cNvSpPr txBox="1"/>
+          <p:nvPr/>
+        </p:nvSpPr>
+        <p:spPr>
+          <a:xfrm>
+            <a:off x="3413096" y="4472002"/>
+            <a:ext cx="2587664" cy="307777"/>
+          </a:xfrm>
+          <a:prstGeom prst="rect">
+            <a:avLst/>
+          </a:prstGeom>
+          <a:noFill/>
+        </p:spPr>
+        <p:txBody>
+          <a:bodyPr wrap="square" rtlCol="0">
+            <a:spAutoFit/>
+          </a:bodyPr>
+          <a:lstStyle/>
+          <a:p>
+            <a:r>
+              <a:rPr lang="en-IE" sz="1400" b="1" i="1" dirty="0" smtClean="0"/>
+              <a:t>Send SONG_SELECTED</a:t>
+            </a:r>
+            <a:endParaRPr lang="en-IE" sz="1400" b="1" i="1" dirty="0" smtClean="0"/>
+          </a:p>
+        </p:txBody>
+      </p:sp>
+      <p:sp>
+        <p:nvSpPr>
+          <p:cNvPr id="47" name="TextBox 46"/>
+          <p:cNvSpPr txBox="1"/>
+          <p:nvPr/>
+        </p:nvSpPr>
+        <p:spPr>
+          <a:xfrm>
+            <a:off x="3286116" y="5214950"/>
+            <a:ext cx="2466976" cy="307777"/>
+          </a:xfrm>
+          <a:prstGeom prst="rect">
+            <a:avLst/>
+          </a:prstGeom>
+          <a:noFill/>
+        </p:spPr>
+        <p:txBody>
+          <a:bodyPr wrap="square" rtlCol="0">
+            <a:spAutoFit/>
+          </a:bodyPr>
+          <a:lstStyle/>
+          <a:p>
+            <a:r>
+              <a:rPr lang="en-IE" sz="1400" b="1" i="1" dirty="0" smtClean="0"/>
+              <a:t>ACK SONG_SELECTED</a:t>
+            </a:r>
+            <a:endParaRPr lang="en-IE" sz="1400" b="1" i="1" dirty="0" smtClean="0"/>
+          </a:p>
+        </p:txBody>
+      </p:sp>
+      <p:cxnSp>
+        <p:nvCxnSpPr>
+          <p:cNvPr id="48" name="Straight Arrow Connector 47"/>
+          <p:cNvCxnSpPr/>
+          <p:nvPr/>
+        </p:nvCxnSpPr>
+        <p:spPr>
+          <a:xfrm rot="10800000" flipV="1">
+            <a:off x="1571604" y="5500702"/>
+            <a:ext cx="5286412" cy="482600"/>
+          </a:xfrm>
+          <a:prstGeom prst="straightConnector1">
+            <a:avLst/>
+          </a:prstGeom>
+          <a:ln w="50800">
+            <a:solidFill>
+              <a:schemeClr val="bg2">
+                <a:lumMod val="25000"/>
+              </a:schemeClr>
+            </a:solidFill>
+            <a:tailEnd type="arrow"/>
+          </a:ln>
+        </p:spPr>
+        <p:style>
+          <a:lnRef idx="1">
+            <a:schemeClr val="accent1"/>
+          </a:lnRef>
+          <a:fillRef idx="0">
+            <a:schemeClr val="accent1"/>
+          </a:fillRef>
+          <a:effectRef idx="0">
+            <a:schemeClr val="accent1"/>
+          </a:effectRef>
+          <a:fontRef idx="minor">
+            <a:schemeClr val="tx1"/>
+          </a:fontRef>
+        </p:style>
+      </p:cxnSp>
+    </p:spTree>
+  </p:cSld>
+  <p:clrMapOvr>
+    <a:masterClrMapping/>
+  </p:clrMapOvr>
+</p:sld>
+</file>
+
+<file path=ppt/slides/slide3.xml><?xml version="1.0" encoding="utf-8"?>
+<p:sld xmlns:a="http://schemas.openxmlformats.org/drawingml/2006/main" xmlns:r="http://schemas.openxmlformats.org/officeDocument/2006/relationships" xmlns:p="http://schemas.openxmlformats.org/presentationml/2006/main">
+  <p:cSld>
+    <p:spTree>
+      <p:nvGrpSpPr>
+        <p:cNvPr id="1" name=""/>
+        <p:cNvGrpSpPr/>
+        <p:nvPr/>
+      </p:nvGrpSpPr>
+      <p:grpSpPr>
+        <a:xfrm>
+          <a:off x="0" y="0"/>
+          <a:ext cx="0" cy="0"/>
+          <a:chOff x="0" y="0"/>
+          <a:chExt cx="0" cy="0"/>
+        </a:xfrm>
+      </p:grpSpPr>
+      <p:pic>
+        <p:nvPicPr>
+          <p:cNvPr id="4" name="Content Placeholder 3" descr="android cut.png"/>
+          <p:cNvPicPr>
+            <a:picLocks noGrp="1" noChangeAspect="1"/>
+          </p:cNvPicPr>
+          <p:nvPr>
+            <p:ph sz="quarter" idx="1"/>
+          </p:nvPr>
+        </p:nvPicPr>
+        <p:blipFill>
+          <a:blip r:embed="rId2">
+            <a:lum bright="-8000" contrast="23000"/>
+          </a:blip>
+          <a:stretch>
+            <a:fillRect/>
+          </a:stretch>
+        </p:blipFill>
+        <p:spPr>
+          <a:xfrm>
+            <a:off x="1038448" y="66015"/>
+            <a:ext cx="928694" cy="864922"/>
+          </a:xfrm>
+          <a:prstGeom prst="rect">
+            <a:avLst/>
+          </a:prstGeom>
+        </p:spPr>
+      </p:pic>
+      <p:pic>
+        <p:nvPicPr>
+          <p:cNvPr id="5" name="Picture 2" descr="C:\year 5\Project presentation\pics\bluecove.png"/>
+          <p:cNvPicPr>
+            <a:picLocks noChangeAspect="1" noChangeArrowheads="1"/>
+          </p:cNvPicPr>
+          <p:nvPr/>
+        </p:nvPicPr>
+        <p:blipFill>
+          <a:blip r:embed="rId3"/>
+          <a:srcRect/>
+          <a:stretch>
+            <a:fillRect/>
+          </a:stretch>
+        </p:blipFill>
+        <p:spPr bwMode="auto">
+          <a:xfrm>
+            <a:off x="6072198" y="428604"/>
+            <a:ext cx="1571636" cy="387670"/>
+          </a:xfrm>
+          <a:prstGeom prst="rect">
+            <a:avLst/>
+          </a:prstGeom>
+          <a:noFill/>
+        </p:spPr>
+      </p:pic>
+      <p:sp>
+        <p:nvSpPr>
+          <p:cNvPr id="6" name="TextBox 5"/>
+          <p:cNvSpPr txBox="1"/>
+          <p:nvPr/>
+        </p:nvSpPr>
+        <p:spPr>
+          <a:xfrm>
+            <a:off x="6072198" y="928670"/>
+            <a:ext cx="1584176" cy="369332"/>
+          </a:xfrm>
+          <a:prstGeom prst="rect">
+            <a:avLst/>
+          </a:prstGeom>
+          <a:noFill/>
+          <a:ln w="19050">
+            <a:solidFill>
+              <a:schemeClr val="tx1"/>
+            </a:solidFill>
+          </a:ln>
+        </p:spPr>
+        <p:txBody>
+          <a:bodyPr wrap="square" rtlCol="0">
+            <a:spAutoFit/>
+          </a:bodyPr>
+          <a:lstStyle/>
+          <a:p>
+            <a:r>
+              <a:rPr lang="en-IE" b="1" i="1" dirty="0" smtClean="0"/>
+              <a:t>SDP Server</a:t>
+            </a:r>
+          </a:p>
+        </p:txBody>
+      </p:sp>
+      <p:sp>
+        <p:nvSpPr>
+          <p:cNvPr id="7" name="TextBox 6"/>
+          <p:cNvSpPr txBox="1"/>
+          <p:nvPr/>
+        </p:nvSpPr>
+        <p:spPr>
+          <a:xfrm>
+            <a:off x="814814" y="983327"/>
+            <a:ext cx="1501265" cy="371258"/>
+          </a:xfrm>
+          <a:prstGeom prst="rect">
+            <a:avLst/>
+          </a:prstGeom>
+          <a:noFill/>
+          <a:ln w="19050">
+            <a:solidFill>
+              <a:schemeClr val="tx1"/>
+            </a:solidFill>
+          </a:ln>
+        </p:spPr>
+        <p:txBody>
+          <a:bodyPr wrap="square" rtlCol="0">
+            <a:spAutoFit/>
+          </a:bodyPr>
+          <a:lstStyle/>
+          <a:p>
+            <a:r>
+              <a:rPr lang="en-IE" b="1" i="1" dirty="0" smtClean="0"/>
+              <a:t>SDP Client</a:t>
+            </a:r>
+          </a:p>
+        </p:txBody>
+      </p:sp>
+      <p:cxnSp>
+        <p:nvCxnSpPr>
+          <p:cNvPr id="8" name="Straight Arrow Connector 7"/>
+          <p:cNvCxnSpPr/>
+          <p:nvPr/>
+        </p:nvCxnSpPr>
+        <p:spPr>
+          <a:xfrm>
+            <a:off x="1584304" y="1519226"/>
+            <a:ext cx="5273696" cy="436574"/>
+          </a:xfrm>
+          <a:prstGeom prst="straightConnector1">
+            <a:avLst/>
+          </a:prstGeom>
+          <a:ln w="50800">
+            <a:solidFill>
+              <a:schemeClr val="bg2">
+                <a:lumMod val="25000"/>
+              </a:schemeClr>
+            </a:solidFill>
+            <a:tailEnd type="arrow"/>
+          </a:ln>
+        </p:spPr>
+        <p:style>
+          <a:lnRef idx="1">
+            <a:schemeClr val="accent1"/>
+          </a:lnRef>
+          <a:fillRef idx="0">
+            <a:schemeClr val="accent1"/>
+          </a:fillRef>
+          <a:effectRef idx="0">
+            <a:schemeClr val="accent1"/>
+          </a:effectRef>
+          <a:fontRef idx="minor">
+            <a:schemeClr val="tx1"/>
+          </a:fontRef>
+        </p:style>
+      </p:cxnSp>
+      <p:sp>
+        <p:nvSpPr>
+          <p:cNvPr id="12" name="TextBox 11"/>
+          <p:cNvSpPr txBox="1"/>
+          <p:nvPr/>
+        </p:nvSpPr>
+        <p:spPr>
+          <a:xfrm>
+            <a:off x="3397240" y="1347774"/>
+            <a:ext cx="2214578" cy="307777"/>
+          </a:xfrm>
+          <a:prstGeom prst="rect">
+            <a:avLst/>
+          </a:prstGeom>
+          <a:noFill/>
+        </p:spPr>
+        <p:txBody>
+          <a:bodyPr wrap="square" rtlCol="0">
+            <a:spAutoFit/>
+          </a:bodyPr>
+          <a:lstStyle/>
+          <a:p>
+            <a:r>
+              <a:rPr lang="en-IE" sz="1400" b="1" i="1" dirty="0" smtClean="0"/>
+              <a:t>Send OPTIONS</a:t>
+            </a:r>
+            <a:endParaRPr lang="en-IE" sz="1400" b="1" i="1" dirty="0" smtClean="0"/>
+          </a:p>
+        </p:txBody>
+      </p:sp>
+      <p:cxnSp>
+        <p:nvCxnSpPr>
+          <p:cNvPr id="13" name="Straight Arrow Connector 12"/>
+          <p:cNvCxnSpPr/>
+          <p:nvPr/>
+        </p:nvCxnSpPr>
+        <p:spPr>
+          <a:xfrm rot="10800000" flipV="1">
+            <a:off x="1565272" y="2209800"/>
+            <a:ext cx="5318128" cy="665166"/>
+          </a:xfrm>
+          <a:prstGeom prst="straightConnector1">
+            <a:avLst/>
+          </a:prstGeom>
+          <a:ln w="50800">
+            <a:solidFill>
+              <a:schemeClr val="bg2">
+                <a:lumMod val="25000"/>
+              </a:schemeClr>
+            </a:solidFill>
+            <a:tailEnd type="arrow"/>
+          </a:ln>
+        </p:spPr>
+        <p:style>
+          <a:lnRef idx="1">
+            <a:schemeClr val="accent1"/>
+          </a:lnRef>
+          <a:fillRef idx="0">
+            <a:schemeClr val="accent1"/>
+          </a:fillRef>
+          <a:effectRef idx="0">
+            <a:schemeClr val="accent1"/>
+          </a:effectRef>
+          <a:fontRef idx="minor">
+            <a:schemeClr val="tx1"/>
+          </a:fontRef>
+        </p:style>
+      </p:cxnSp>
+      <p:sp>
+        <p:nvSpPr>
+          <p:cNvPr id="16" name="TextBox 15"/>
+          <p:cNvSpPr txBox="1"/>
+          <p:nvPr/>
+        </p:nvSpPr>
+        <p:spPr>
+          <a:xfrm>
+            <a:off x="3378192" y="2003424"/>
+            <a:ext cx="2214578" cy="307777"/>
+          </a:xfrm>
+          <a:prstGeom prst="rect">
+            <a:avLst/>
+          </a:prstGeom>
+          <a:noFill/>
+        </p:spPr>
+        <p:txBody>
+          <a:bodyPr wrap="square" rtlCol="0">
+            <a:spAutoFit/>
+          </a:bodyPr>
+          <a:lstStyle/>
+          <a:p>
+            <a:r>
+              <a:rPr lang="en-IE" sz="1400" b="1" i="1" dirty="0" smtClean="0"/>
+              <a:t>ACK OPTIONS</a:t>
+            </a:r>
+            <a:endParaRPr lang="en-IE" sz="1400" b="1" i="1" dirty="0" smtClean="0"/>
+          </a:p>
+        </p:txBody>
+      </p:sp>
+      <p:cxnSp>
+        <p:nvCxnSpPr>
+          <p:cNvPr id="17" name="Straight Arrow Connector 16"/>
+          <p:cNvCxnSpPr>
+            <a:stCxn id="7" idx="2"/>
+          </p:cNvCxnSpPr>
+          <p:nvPr/>
+        </p:nvCxnSpPr>
+        <p:spPr>
+          <a:xfrm rot="16200000" flipH="1">
+            <a:off x="-290219" y="3210250"/>
+            <a:ext cx="3717489" cy="6157"/>
+          </a:xfrm>
+          <a:prstGeom prst="straightConnector1">
+            <a:avLst/>
+          </a:prstGeom>
+          <a:ln w="50800">
+            <a:solidFill>
+              <a:schemeClr val="bg2">
+                <a:lumMod val="25000"/>
+              </a:schemeClr>
+            </a:solidFill>
+            <a:tailEnd type="arrow"/>
+          </a:ln>
+        </p:spPr>
+        <p:style>
+          <a:lnRef idx="1">
+            <a:schemeClr val="accent1"/>
+          </a:lnRef>
+          <a:fillRef idx="0">
+            <a:schemeClr val="accent1"/>
+          </a:fillRef>
+          <a:effectRef idx="0">
+            <a:schemeClr val="accent1"/>
+          </a:effectRef>
+          <a:fontRef idx="minor">
+            <a:schemeClr val="tx1"/>
+          </a:fontRef>
+        </p:style>
+      </p:cxnSp>
+      <p:cxnSp>
+        <p:nvCxnSpPr>
+          <p:cNvPr id="20" name="Straight Arrow Connector 19"/>
+          <p:cNvCxnSpPr>
+            <a:stCxn id="6" idx="2"/>
+          </p:cNvCxnSpPr>
+          <p:nvPr/>
+        </p:nvCxnSpPr>
+        <p:spPr>
+          <a:xfrm rot="5400000">
+            <a:off x="5045553" y="3110465"/>
+            <a:ext cx="3631196" cy="6270"/>
+          </a:xfrm>
+          <a:prstGeom prst="straightConnector1">
+            <a:avLst/>
+          </a:prstGeom>
+          <a:ln w="50800">
+            <a:solidFill>
+              <a:schemeClr val="bg2">
+                <a:lumMod val="25000"/>
+              </a:schemeClr>
+            </a:solidFill>
+            <a:tailEnd type="arrow"/>
+          </a:ln>
+        </p:spPr>
+        <p:style>
+          <a:lnRef idx="1">
+            <a:schemeClr val="accent1"/>
+          </a:lnRef>
+          <a:fillRef idx="0">
+            <a:schemeClr val="accent1"/>
+          </a:fillRef>
+          <a:effectRef idx="0">
+            <a:schemeClr val="accent1"/>
+          </a:effectRef>
+          <a:fontRef idx="minor">
+            <a:schemeClr val="tx1"/>
+          </a:fontRef>
+        </p:style>
+      </p:cxnSp>
+      <p:cxnSp>
+        <p:nvCxnSpPr>
+          <p:cNvPr id="29" name="Straight Arrow Connector 28"/>
+          <p:cNvCxnSpPr/>
+          <p:nvPr/>
+        </p:nvCxnSpPr>
+        <p:spPr>
+          <a:xfrm>
+            <a:off x="1587500" y="3124200"/>
+            <a:ext cx="5295900" cy="457200"/>
+          </a:xfrm>
+          <a:prstGeom prst="straightConnector1">
+            <a:avLst/>
+          </a:prstGeom>
+          <a:ln w="50800">
+            <a:solidFill>
+              <a:schemeClr val="bg2">
+                <a:lumMod val="25000"/>
+              </a:schemeClr>
+            </a:solidFill>
+            <a:tailEnd type="arrow"/>
+          </a:ln>
+        </p:spPr>
+        <p:style>
+          <a:lnRef idx="1">
+            <a:schemeClr val="accent1"/>
+          </a:lnRef>
+          <a:fillRef idx="0">
+            <a:schemeClr val="accent1"/>
+          </a:fillRef>
+          <a:effectRef idx="0">
+            <a:schemeClr val="accent1"/>
+          </a:effectRef>
+          <a:fontRef idx="minor">
+            <a:schemeClr val="tx1"/>
+          </a:fontRef>
+        </p:style>
+      </p:cxnSp>
+      <p:sp>
+        <p:nvSpPr>
+          <p:cNvPr id="30" name="TextBox 29"/>
+          <p:cNvSpPr txBox="1"/>
+          <p:nvPr/>
+        </p:nvSpPr>
+        <p:spPr>
+          <a:xfrm>
+            <a:off x="3403592" y="2870200"/>
+            <a:ext cx="2214578" cy="307777"/>
+          </a:xfrm>
+          <a:prstGeom prst="rect">
+            <a:avLst/>
+          </a:prstGeom>
+          <a:noFill/>
+        </p:spPr>
+        <p:txBody>
+          <a:bodyPr wrap="square" rtlCol="0">
+            <a:spAutoFit/>
+          </a:bodyPr>
+          <a:lstStyle/>
+          <a:p>
+            <a:r>
+              <a:rPr lang="en-IE" sz="1400" b="1" i="1" dirty="0" smtClean="0"/>
+              <a:t>Send DJ_COMMENT</a:t>
+            </a:r>
+            <a:endParaRPr lang="en-IE" sz="1400" b="1" i="1" dirty="0" smtClean="0"/>
+          </a:p>
+        </p:txBody>
+      </p:sp>
+      <p:sp>
+        <p:nvSpPr>
+          <p:cNvPr id="31" name="TextBox 30"/>
+          <p:cNvSpPr txBox="1"/>
+          <p:nvPr/>
+        </p:nvSpPr>
+        <p:spPr>
+          <a:xfrm>
+            <a:off x="3386134" y="3681414"/>
+            <a:ext cx="2214578" cy="307777"/>
+          </a:xfrm>
+          <a:prstGeom prst="rect">
+            <a:avLst/>
+          </a:prstGeom>
+          <a:noFill/>
+        </p:spPr>
+        <p:txBody>
+          <a:bodyPr wrap="square" rtlCol="0">
+            <a:spAutoFit/>
+          </a:bodyPr>
+          <a:lstStyle/>
+          <a:p>
+            <a:r>
+              <a:rPr lang="en-IE" sz="1400" b="1" i="1" dirty="0" smtClean="0"/>
+              <a:t>ACK DJ_COMMENT</a:t>
+            </a:r>
+            <a:endParaRPr lang="en-IE" sz="1400" b="1" i="1" dirty="0" smtClean="0"/>
+          </a:p>
+        </p:txBody>
+      </p:sp>
+      <p:cxnSp>
+        <p:nvCxnSpPr>
+          <p:cNvPr id="32" name="Straight Arrow Connector 31"/>
+          <p:cNvCxnSpPr/>
+          <p:nvPr/>
+        </p:nvCxnSpPr>
+        <p:spPr>
+          <a:xfrm rot="10800000" flipV="1">
+            <a:off x="1571604" y="3929066"/>
+            <a:ext cx="5303838" cy="500066"/>
+          </a:xfrm>
+          <a:prstGeom prst="straightConnector1">
+            <a:avLst/>
+          </a:prstGeom>
+          <a:ln w="50800">
+            <a:solidFill>
+              <a:schemeClr val="bg2">
+                <a:lumMod val="25000"/>
+              </a:schemeClr>
+            </a:solidFill>
+            <a:tailEnd type="arrow"/>
+          </a:ln>
+        </p:spPr>
+        <p:style>
+          <a:lnRef idx="1">
+            <a:schemeClr val="accent1"/>
+          </a:lnRef>
+          <a:fillRef idx="0">
+            <a:schemeClr val="accent1"/>
+          </a:fillRef>
+          <a:effectRef idx="0">
+            <a:schemeClr val="accent1"/>
+          </a:effectRef>
+          <a:fontRef idx="minor">
+            <a:schemeClr val="tx1"/>
+          </a:fontRef>
+        </p:style>
+      </p:cxnSp>
+    </p:spTree>
+  </p:cSld>
+  <p:clrMapOvr>
+    <a:masterClrMapping/>
+  </p:clrMapOvr>
+</p:sld>
+</file>
+
+<file path=ppt/slides/slide4.xml><?xml version="1.0" encoding="utf-8"?>
+<p:sld xmlns:a="http://schemas.openxmlformats.org/drawingml/2006/main" xmlns:r="http://schemas.openxmlformats.org/officeDocument/2006/relationships" xmlns:p="http://schemas.openxmlformats.org/presentationml/2006/main">
+  <p:cSld>
+    <p:spTree>
+      <p:nvGrpSpPr>
+        <p:cNvPr id="1" name=""/>
+        <p:cNvGrpSpPr/>
+        <p:nvPr/>
+      </p:nvGrpSpPr>
+      <p:grpSpPr>
+        <a:xfrm>
+          <a:off x="0" y="0"/>
+          <a:ext cx="0" cy="0"/>
+          <a:chOff x="0" y="0"/>
+          <a:chExt cx="0" cy="0"/>
+        </a:xfrm>
+      </p:grpSpPr>
+      <p:pic>
+        <p:nvPicPr>
+          <p:cNvPr id="4" name="Content Placeholder 3" descr="android cut.png"/>
+          <p:cNvPicPr>
+            <a:picLocks noGrp="1" noChangeAspect="1"/>
+          </p:cNvPicPr>
+          <p:nvPr>
+            <p:ph sz="quarter" idx="1"/>
+          </p:nvPr>
+        </p:nvPicPr>
+        <p:blipFill>
+          <a:blip r:embed="rId2">
+            <a:lum bright="-8000" contrast="23000"/>
+          </a:blip>
+          <a:stretch>
+            <a:fillRect/>
+          </a:stretch>
+        </p:blipFill>
+        <p:spPr>
+          <a:xfrm>
+            <a:off x="1038448" y="66015"/>
+            <a:ext cx="928694" cy="864922"/>
+          </a:xfrm>
+          <a:prstGeom prst="rect">
+            <a:avLst/>
+          </a:prstGeom>
+        </p:spPr>
+      </p:pic>
+      <p:pic>
+        <p:nvPicPr>
+          <p:cNvPr id="5" name="Picture 2" descr="C:\year 5\Project presentation\pics\bluecove.png"/>
+          <p:cNvPicPr>
+            <a:picLocks noChangeAspect="1" noChangeArrowheads="1"/>
+          </p:cNvPicPr>
+          <p:nvPr/>
+        </p:nvPicPr>
+        <p:blipFill>
+          <a:blip r:embed="rId3"/>
+          <a:srcRect/>
+          <a:stretch>
+            <a:fillRect/>
+          </a:stretch>
+        </p:blipFill>
+        <p:spPr bwMode="auto">
+          <a:xfrm>
+            <a:off x="6072198" y="428604"/>
+            <a:ext cx="1571636" cy="387670"/>
+          </a:xfrm>
+          <a:prstGeom prst="rect">
+            <a:avLst/>
+          </a:prstGeom>
+          <a:noFill/>
+        </p:spPr>
+      </p:pic>
+      <p:sp>
+        <p:nvSpPr>
+          <p:cNvPr id="6" name="TextBox 5"/>
+          <p:cNvSpPr txBox="1"/>
+          <p:nvPr/>
+        </p:nvSpPr>
+        <p:spPr>
+          <a:xfrm>
+            <a:off x="6072198" y="928670"/>
+            <a:ext cx="1584176" cy="369332"/>
+          </a:xfrm>
+          <a:prstGeom prst="rect">
+            <a:avLst/>
+          </a:prstGeom>
+          <a:noFill/>
+          <a:ln w="19050">
+            <a:solidFill>
+              <a:schemeClr val="tx1"/>
+            </a:solidFill>
+          </a:ln>
+        </p:spPr>
+        <p:txBody>
+          <a:bodyPr wrap="square" rtlCol="0">
+            <a:spAutoFit/>
+          </a:bodyPr>
+          <a:lstStyle/>
+          <a:p>
+            <a:r>
+              <a:rPr lang="en-IE" b="1" i="1" dirty="0" smtClean="0"/>
+              <a:t>SDP Server</a:t>
+            </a:r>
+          </a:p>
+        </p:txBody>
+      </p:sp>
+      <p:sp>
+        <p:nvSpPr>
+          <p:cNvPr id="7" name="TextBox 6"/>
+          <p:cNvSpPr txBox="1"/>
+          <p:nvPr/>
+        </p:nvSpPr>
+        <p:spPr>
+          <a:xfrm>
+            <a:off x="814814" y="983327"/>
+            <a:ext cx="1501265" cy="371258"/>
+          </a:xfrm>
+          <a:prstGeom prst="rect">
+            <a:avLst/>
+          </a:prstGeom>
+          <a:noFill/>
+          <a:ln w="19050">
+            <a:solidFill>
+              <a:schemeClr val="tx1"/>
+            </a:solidFill>
+          </a:ln>
+        </p:spPr>
+        <p:txBody>
+          <a:bodyPr wrap="square" rtlCol="0">
+            <a:spAutoFit/>
+          </a:bodyPr>
+          <a:lstStyle/>
+          <a:p>
+            <a:r>
+              <a:rPr lang="en-IE" b="1" i="1" dirty="0" smtClean="0"/>
+              <a:t>SDP Client</a:t>
+            </a:r>
+          </a:p>
+        </p:txBody>
+      </p:sp>
+      <p:cxnSp>
+        <p:nvCxnSpPr>
+          <p:cNvPr id="8" name="Straight Arrow Connector 7"/>
+          <p:cNvCxnSpPr/>
+          <p:nvPr/>
+        </p:nvCxnSpPr>
+        <p:spPr>
+          <a:xfrm>
+            <a:off x="1584304" y="1519226"/>
+            <a:ext cx="5273696" cy="436574"/>
+          </a:xfrm>
+          <a:prstGeom prst="straightConnector1">
+            <a:avLst/>
+          </a:prstGeom>
+          <a:ln w="50800">
+            <a:solidFill>
+              <a:schemeClr val="bg2">
+                <a:lumMod val="25000"/>
+              </a:schemeClr>
+            </a:solidFill>
+            <a:tailEnd type="arrow"/>
+          </a:ln>
+        </p:spPr>
+        <p:style>
+          <a:lnRef idx="1">
+            <a:schemeClr val="accent1"/>
+          </a:lnRef>
+          <a:fillRef idx="0">
+            <a:schemeClr val="accent1"/>
+          </a:fillRef>
+          <a:effectRef idx="0">
+            <a:schemeClr val="accent1"/>
+          </a:effectRef>
+          <a:fontRef idx="minor">
+            <a:schemeClr val="tx1"/>
+          </a:fontRef>
+        </p:style>
+      </p:cxnSp>
+      <p:sp>
+        <p:nvSpPr>
+          <p:cNvPr id="12" name="TextBox 11"/>
+          <p:cNvSpPr txBox="1"/>
+          <p:nvPr/>
+        </p:nvSpPr>
+        <p:spPr>
+          <a:xfrm>
+            <a:off x="3397240" y="1347774"/>
+            <a:ext cx="2214578" cy="307777"/>
+          </a:xfrm>
+          <a:prstGeom prst="rect">
+            <a:avLst/>
+          </a:prstGeom>
+          <a:noFill/>
+        </p:spPr>
+        <p:txBody>
+          <a:bodyPr wrap="square" rtlCol="0">
+            <a:spAutoFit/>
+          </a:bodyPr>
+          <a:lstStyle/>
+          <a:p>
+            <a:r>
+              <a:rPr lang="en-IE" sz="1400" b="1" i="1" dirty="0" smtClean="0"/>
+              <a:t>Send OPTIONS</a:t>
+            </a:r>
+            <a:endParaRPr lang="en-IE" sz="1400" b="1" i="1" dirty="0" smtClean="0"/>
+          </a:p>
+        </p:txBody>
+      </p:sp>
+      <p:cxnSp>
+        <p:nvCxnSpPr>
+          <p:cNvPr id="13" name="Straight Arrow Connector 12"/>
+          <p:cNvCxnSpPr/>
+          <p:nvPr/>
+        </p:nvCxnSpPr>
+        <p:spPr>
+          <a:xfrm rot="10800000" flipV="1">
+            <a:off x="1565272" y="2209800"/>
+            <a:ext cx="5318128" cy="665166"/>
+          </a:xfrm>
+          <a:prstGeom prst="straightConnector1">
+            <a:avLst/>
+          </a:prstGeom>
+          <a:ln w="50800">
+            <a:solidFill>
+              <a:schemeClr val="bg2">
+                <a:lumMod val="25000"/>
+              </a:schemeClr>
+            </a:solidFill>
+            <a:tailEnd type="arrow"/>
+          </a:ln>
+        </p:spPr>
+        <p:style>
+          <a:lnRef idx="1">
+            <a:schemeClr val="accent1"/>
+          </a:lnRef>
+          <a:fillRef idx="0">
+            <a:schemeClr val="accent1"/>
+          </a:fillRef>
+          <a:effectRef idx="0">
+            <a:schemeClr val="accent1"/>
+          </a:effectRef>
+          <a:fontRef idx="minor">
+            <a:schemeClr val="tx1"/>
+          </a:fontRef>
+        </p:style>
+      </p:cxnSp>
+      <p:sp>
+        <p:nvSpPr>
+          <p:cNvPr id="16" name="TextBox 15"/>
+          <p:cNvSpPr txBox="1"/>
+          <p:nvPr/>
+        </p:nvSpPr>
+        <p:spPr>
+          <a:xfrm>
+            <a:off x="3378192" y="2003424"/>
+            <a:ext cx="2214578" cy="307777"/>
+          </a:xfrm>
+          <a:prstGeom prst="rect">
+            <a:avLst/>
+          </a:prstGeom>
+          <a:noFill/>
+        </p:spPr>
+        <p:txBody>
+          <a:bodyPr wrap="square" rtlCol="0">
+            <a:spAutoFit/>
+          </a:bodyPr>
+          <a:lstStyle/>
+          <a:p>
+            <a:r>
+              <a:rPr lang="en-IE" sz="1400" b="1" i="1" dirty="0" smtClean="0"/>
+              <a:t>ACK OPTIONS</a:t>
+            </a:r>
+            <a:endParaRPr lang="en-IE" sz="1400" b="1" i="1" dirty="0" smtClean="0"/>
+          </a:p>
+        </p:txBody>
+      </p:sp>
+      <p:cxnSp>
+        <p:nvCxnSpPr>
+          <p:cNvPr id="17" name="Straight Arrow Connector 16"/>
+          <p:cNvCxnSpPr>
+            <a:stCxn id="7" idx="2"/>
+          </p:cNvCxnSpPr>
+          <p:nvPr/>
+        </p:nvCxnSpPr>
+        <p:spPr>
+          <a:xfrm rot="16200000" flipH="1">
+            <a:off x="-290219" y="3210250"/>
+            <a:ext cx="3717489" cy="6157"/>
+          </a:xfrm>
+          <a:prstGeom prst="straightConnector1">
+            <a:avLst/>
+          </a:prstGeom>
+          <a:ln w="50800">
+            <a:solidFill>
+              <a:schemeClr val="bg2">
+                <a:lumMod val="25000"/>
+              </a:schemeClr>
+            </a:solidFill>
+            <a:tailEnd type="arrow"/>
+          </a:ln>
+        </p:spPr>
+        <p:style>
+          <a:lnRef idx="1">
+            <a:schemeClr val="accent1"/>
+          </a:lnRef>
+          <a:fillRef idx="0">
+            <a:schemeClr val="accent1"/>
+          </a:fillRef>
+          <a:effectRef idx="0">
+            <a:schemeClr val="accent1"/>
+          </a:effectRef>
+          <a:fontRef idx="minor">
+            <a:schemeClr val="tx1"/>
+          </a:fontRef>
+        </p:style>
+      </p:cxnSp>
+      <p:cxnSp>
+        <p:nvCxnSpPr>
+          <p:cNvPr id="20" name="Straight Arrow Connector 19"/>
+          <p:cNvCxnSpPr>
+            <a:stCxn id="6" idx="2"/>
+          </p:cNvCxnSpPr>
+          <p:nvPr/>
+        </p:nvCxnSpPr>
+        <p:spPr>
+          <a:xfrm rot="5400000">
+            <a:off x="5045553" y="3110465"/>
+            <a:ext cx="3631196" cy="6270"/>
+          </a:xfrm>
+          <a:prstGeom prst="straightConnector1">
+            <a:avLst/>
+          </a:prstGeom>
+          <a:ln w="50800">
+            <a:solidFill>
+              <a:schemeClr val="bg2">
+                <a:lumMod val="25000"/>
+              </a:schemeClr>
+            </a:solidFill>
+            <a:tailEnd type="arrow"/>
+          </a:ln>
+        </p:spPr>
+        <p:style>
+          <a:lnRef idx="1">
+            <a:schemeClr val="accent1"/>
+          </a:lnRef>
+          <a:fillRef idx="0">
+            <a:schemeClr val="accent1"/>
+          </a:fillRef>
+          <a:effectRef idx="0">
+            <a:schemeClr val="accent1"/>
+          </a:effectRef>
+          <a:fontRef idx="minor">
+            <a:schemeClr val="tx1"/>
+          </a:fontRef>
+        </p:style>
+      </p:cxnSp>
+      <p:cxnSp>
+        <p:nvCxnSpPr>
+          <p:cNvPr id="29" name="Straight Arrow Connector 28"/>
+          <p:cNvCxnSpPr/>
+          <p:nvPr/>
+        </p:nvCxnSpPr>
+        <p:spPr>
+          <a:xfrm>
+            <a:off x="1587500" y="3124200"/>
+            <a:ext cx="5295900" cy="457200"/>
+          </a:xfrm>
+          <a:prstGeom prst="straightConnector1">
+            <a:avLst/>
+          </a:prstGeom>
+          <a:ln w="50800">
+            <a:solidFill>
+              <a:schemeClr val="bg2">
+                <a:lumMod val="25000"/>
+              </a:schemeClr>
+            </a:solidFill>
+            <a:tailEnd type="arrow"/>
+          </a:ln>
+        </p:spPr>
+        <p:style>
+          <a:lnRef idx="1">
+            <a:schemeClr val="accent1"/>
+          </a:lnRef>
+          <a:fillRef idx="0">
+            <a:schemeClr val="accent1"/>
+          </a:fillRef>
+          <a:effectRef idx="0">
+            <a:schemeClr val="accent1"/>
+          </a:effectRef>
+          <a:fontRef idx="minor">
+            <a:schemeClr val="tx1"/>
+          </a:fontRef>
+        </p:style>
+      </p:cxnSp>
+      <p:sp>
+        <p:nvSpPr>
+          <p:cNvPr id="30" name="TextBox 29"/>
+          <p:cNvSpPr txBox="1"/>
+          <p:nvPr/>
+        </p:nvSpPr>
+        <p:spPr>
+          <a:xfrm>
+            <a:off x="3403592" y="2870200"/>
+            <a:ext cx="2214578" cy="307777"/>
+          </a:xfrm>
+          <a:prstGeom prst="rect">
+            <a:avLst/>
+          </a:prstGeom>
+          <a:noFill/>
+        </p:spPr>
+        <p:txBody>
+          <a:bodyPr wrap="square" rtlCol="0">
+            <a:spAutoFit/>
+          </a:bodyPr>
+          <a:lstStyle/>
+          <a:p>
+            <a:r>
+              <a:rPr lang="en-IE" sz="1400" b="1" i="1" dirty="0" smtClean="0"/>
+              <a:t>Send SKIP_SONG</a:t>
+            </a:r>
+            <a:endParaRPr lang="en-IE" sz="1400" b="1" i="1" dirty="0" smtClean="0"/>
+          </a:p>
+        </p:txBody>
+      </p:sp>
+      <p:sp>
+        <p:nvSpPr>
+          <p:cNvPr id="31" name="TextBox 30"/>
+          <p:cNvSpPr txBox="1"/>
+          <p:nvPr/>
+        </p:nvSpPr>
+        <p:spPr>
+          <a:xfrm>
+            <a:off x="3386134" y="3681414"/>
+            <a:ext cx="2214578" cy="307777"/>
+          </a:xfrm>
+          <a:prstGeom prst="rect">
+            <a:avLst/>
+          </a:prstGeom>
+          <a:noFill/>
+        </p:spPr>
+        <p:txBody>
+          <a:bodyPr wrap="square" rtlCol="0">
+            <a:spAutoFit/>
+          </a:bodyPr>
+          <a:lstStyle/>
+          <a:p>
+            <a:r>
+              <a:rPr lang="en-IE" sz="1400" b="1" i="1" dirty="0" smtClean="0"/>
+              <a:t>ACK </a:t>
+            </a:r>
+            <a:r>
+              <a:rPr lang="en-IE" sz="1400" b="1" i="1" dirty="0" smtClean="0"/>
+              <a:t>SKIP_SONG</a:t>
+            </a:r>
+            <a:endParaRPr lang="en-IE" sz="1400" b="1" i="1" dirty="0" smtClean="0"/>
+          </a:p>
+        </p:txBody>
+      </p:sp>
+      <p:cxnSp>
+        <p:nvCxnSpPr>
+          <p:cNvPr id="32" name="Straight Arrow Connector 31"/>
+          <p:cNvCxnSpPr/>
+          <p:nvPr/>
+        </p:nvCxnSpPr>
+        <p:spPr>
+          <a:xfrm rot="10800000" flipV="1">
+            <a:off x="1571604" y="3929066"/>
+            <a:ext cx="5303838" cy="500066"/>
+          </a:xfrm>
+          <a:prstGeom prst="straightConnector1">
+            <a:avLst/>
+          </a:prstGeom>
+          <a:ln w="50800">
+            <a:solidFill>
+              <a:schemeClr val="bg2">
+                <a:lumMod val="25000"/>
+              </a:schemeClr>
+            </a:solidFill>
+            <a:tailEnd type="arrow"/>
+          </a:ln>
+        </p:spPr>
+        <p:style>
+          <a:lnRef idx="1">
+            <a:schemeClr val="accent1"/>
+          </a:lnRef>
+          <a:fillRef idx="0">
+            <a:schemeClr val="accent1"/>
+          </a:fillRef>
+          <a:effectRef idx="0">
+            <a:schemeClr val="accent1"/>
+          </a:effectRef>
+          <a:fontRef idx="minor">
+            <a:schemeClr val="tx1"/>
+          </a:fontRef>
+        </p:style>
+      </p:cxnSp>
     </p:spTree>
   </p:cSld>
   <p:clrMapOvr>

--- a/Report/report lib/slides/1.pptx
+++ b/Report/report lib/slides/1.pptx
@@ -9,6 +9,7 @@
     <p:sldId id="257" r:id="rId3"/>
     <p:sldId id="258" r:id="rId4"/>
     <p:sldId id="260" r:id="rId5"/>
+    <p:sldId id="261" r:id="rId6"/>
   </p:sldIdLst>
   <p:sldSz cx="9144000" cy="6858000" type="screen4x3"/>
   <p:notesSz cx="6858000" cy="9144000"/>
@@ -110,6 +111,2346 @@
 </p:presentation>
 </file>
 
+<file path=ppt/diagrams/colors1.xml><?xml version="1.0" encoding="utf-8"?>
+<dgm:colorsDef xmlns:dgm="http://schemas.openxmlformats.org/drawingml/2006/diagram" xmlns:a="http://schemas.openxmlformats.org/drawingml/2006/main" uniqueId="urn:microsoft.com/office/officeart/2005/8/colors/accent1_2">
+  <dgm:title val=""/>
+  <dgm:desc val=""/>
+  <dgm:catLst>
+    <dgm:cat type="accent1" pri="11200"/>
+  </dgm:catLst>
+  <dgm:styleLbl name="node0">
+    <dgm:fillClrLst meth="repeat">
+      <a:schemeClr val="accent1"/>
+    </dgm:fillClrLst>
+    <dgm:linClrLst meth="repeat">
+      <a:schemeClr val="lt1"/>
+    </dgm:linClrLst>
+    <dgm:effectClrLst/>
+    <dgm:txLinClrLst/>
+    <dgm:txFillClrLst/>
+    <dgm:txEffectClrLst/>
+  </dgm:styleLbl>
+  <dgm:styleLbl name="alignNode1">
+    <dgm:fillClrLst meth="repeat">
+      <a:schemeClr val="accent1"/>
+    </dgm:fillClrLst>
+    <dgm:linClrLst meth="repeat">
+      <a:schemeClr val="accent1"/>
+    </dgm:linClrLst>
+    <dgm:effectClrLst/>
+    <dgm:txLinClrLst/>
+    <dgm:txFillClrLst/>
+    <dgm:txEffectClrLst/>
+  </dgm:styleLbl>
+  <dgm:styleLbl name="node1">
+    <dgm:fillClrLst meth="repeat">
+      <a:schemeClr val="accent1"/>
+    </dgm:fillClrLst>
+    <dgm:linClrLst meth="repeat">
+      <a:schemeClr val="lt1"/>
+    </dgm:linClrLst>
+    <dgm:effectClrLst/>
+    <dgm:txLinClrLst/>
+    <dgm:txFillClrLst/>
+    <dgm:txEffectClrLst/>
+  </dgm:styleLbl>
+  <dgm:styleLbl name="lnNode1">
+    <dgm:fillClrLst meth="repeat">
+      <a:schemeClr val="accent1"/>
+    </dgm:fillClrLst>
+    <dgm:linClrLst meth="repeat">
+      <a:schemeClr val="lt1"/>
+    </dgm:linClrLst>
+    <dgm:effectClrLst/>
+    <dgm:txLinClrLst/>
+    <dgm:txFillClrLst/>
+    <dgm:txEffectClrLst/>
+  </dgm:styleLbl>
+  <dgm:styleLbl name="vennNode1">
+    <dgm:fillClrLst meth="repeat">
+      <a:schemeClr val="accent1">
+        <a:alpha val="50000"/>
+      </a:schemeClr>
+    </dgm:fillClrLst>
+    <dgm:linClrLst meth="repeat">
+      <a:schemeClr val="lt1"/>
+    </dgm:linClrLst>
+    <dgm:effectClrLst/>
+    <dgm:txLinClrLst/>
+    <dgm:txFillClrLst/>
+    <dgm:txEffectClrLst/>
+  </dgm:styleLbl>
+  <dgm:styleLbl name="node2">
+    <dgm:fillClrLst meth="repeat">
+      <a:schemeClr val="accent1"/>
+    </dgm:fillClrLst>
+    <dgm:linClrLst meth="repeat">
+      <a:schemeClr val="lt1"/>
+    </dgm:linClrLst>
+    <dgm:effectClrLst/>
+    <dgm:txLinClrLst/>
+    <dgm:txFillClrLst/>
+    <dgm:txEffectClrLst/>
+  </dgm:styleLbl>
+  <dgm:styleLbl name="node3">
+    <dgm:fillClrLst meth="repeat">
+      <a:schemeClr val="accent1"/>
+    </dgm:fillClrLst>
+    <dgm:linClrLst meth="repeat">
+      <a:schemeClr val="lt1"/>
+    </dgm:linClrLst>
+    <dgm:effectClrLst/>
+    <dgm:txLinClrLst/>
+    <dgm:txFillClrLst/>
+    <dgm:txEffectClrLst/>
+  </dgm:styleLbl>
+  <dgm:styleLbl name="node4">
+    <dgm:fillClrLst meth="repeat">
+      <a:schemeClr val="accent1"/>
+    </dgm:fillClrLst>
+    <dgm:linClrLst meth="repeat">
+      <a:schemeClr val="lt1"/>
+    </dgm:linClrLst>
+    <dgm:effectClrLst/>
+    <dgm:txLinClrLst/>
+    <dgm:txFillClrLst/>
+    <dgm:txEffectClrLst/>
+  </dgm:styleLbl>
+  <dgm:styleLbl name="fgImgPlace1">
+    <dgm:fillClrLst meth="repeat">
+      <a:schemeClr val="accent1">
+        <a:tint val="50000"/>
+      </a:schemeClr>
+    </dgm:fillClrLst>
+    <dgm:linClrLst meth="repeat">
+      <a:schemeClr val="lt1"/>
+    </dgm:linClrLst>
+    <dgm:effectClrLst/>
+    <dgm:txLinClrLst/>
+    <dgm:txFillClrLst meth="repeat">
+      <a:schemeClr val="lt1"/>
+    </dgm:txFillClrLst>
+    <dgm:txEffectClrLst/>
+  </dgm:styleLbl>
+  <dgm:styleLbl name="alignImgPlace1">
+    <dgm:fillClrLst meth="repeat">
+      <a:schemeClr val="accent1">
+        <a:tint val="50000"/>
+      </a:schemeClr>
+    </dgm:fillClrLst>
+    <dgm:linClrLst meth="repeat">
+      <a:schemeClr val="lt1"/>
+    </dgm:linClrLst>
+    <dgm:effectClrLst/>
+    <dgm:txLinClrLst/>
+    <dgm:txFillClrLst meth="repeat">
+      <a:schemeClr val="lt1"/>
+    </dgm:txFillClrLst>
+    <dgm:txEffectClrLst/>
+  </dgm:styleLbl>
+  <dgm:styleLbl name="bgImgPlace1">
+    <dgm:fillClrLst meth="repeat">
+      <a:schemeClr val="accent1">
+        <a:tint val="50000"/>
+      </a:schemeClr>
+    </dgm:fillClrLst>
+    <dgm:linClrLst meth="repeat">
+      <a:schemeClr val="lt1"/>
+    </dgm:linClrLst>
+    <dgm:effectClrLst/>
+    <dgm:txLinClrLst/>
+    <dgm:txFillClrLst meth="repeat">
+      <a:schemeClr val="lt1"/>
+    </dgm:txFillClrLst>
+    <dgm:txEffectClrLst/>
+  </dgm:styleLbl>
+  <dgm:styleLbl name="sibTrans2D1">
+    <dgm:fillClrLst meth="repeat">
+      <a:schemeClr val="accent1">
+        <a:tint val="60000"/>
+      </a:schemeClr>
+    </dgm:fillClrLst>
+    <dgm:linClrLst meth="repeat">
+      <a:schemeClr val="accent1">
+        <a:tint val="60000"/>
+      </a:schemeClr>
+    </dgm:linClrLst>
+    <dgm:effectClrLst/>
+    <dgm:txLinClrLst/>
+    <dgm:txFillClrLst/>
+    <dgm:txEffectClrLst/>
+  </dgm:styleLbl>
+  <dgm:styleLbl name="fgSibTrans2D1">
+    <dgm:fillClrLst meth="repeat">
+      <a:schemeClr val="accent1">
+        <a:tint val="60000"/>
+      </a:schemeClr>
+    </dgm:fillClrLst>
+    <dgm:linClrLst meth="repeat">
+      <a:schemeClr val="accent1">
+        <a:tint val="60000"/>
+      </a:schemeClr>
+    </dgm:linClrLst>
+    <dgm:effectClrLst/>
+    <dgm:txLinClrLst/>
+    <dgm:txFillClrLst/>
+    <dgm:txEffectClrLst/>
+  </dgm:styleLbl>
+  <dgm:styleLbl name="bgSibTrans2D1">
+    <dgm:fillClrLst meth="repeat">
+      <a:schemeClr val="accent1">
+        <a:tint val="60000"/>
+      </a:schemeClr>
+    </dgm:fillClrLst>
+    <dgm:linClrLst meth="repeat">
+      <a:schemeClr val="accent1">
+        <a:tint val="60000"/>
+      </a:schemeClr>
+    </dgm:linClrLst>
+    <dgm:effectClrLst/>
+    <dgm:txLinClrLst/>
+    <dgm:txFillClrLst/>
+    <dgm:txEffectClrLst/>
+  </dgm:styleLbl>
+  <dgm:styleLbl name="sibTrans1D1">
+    <dgm:fillClrLst meth="repeat">
+      <a:schemeClr val="accent1"/>
+    </dgm:fillClrLst>
+    <dgm:linClrLst meth="repeat">
+      <a:schemeClr val="accent1"/>
+    </dgm:linClrLst>
+    <dgm:effectClrLst/>
+    <dgm:txLinClrLst/>
+    <dgm:txFillClrLst meth="repeat">
+      <a:schemeClr val="tx1"/>
+    </dgm:txFillClrLst>
+    <dgm:txEffectClrLst/>
+  </dgm:styleLbl>
+  <dgm:styleLbl name="callout">
+    <dgm:fillClrLst meth="repeat">
+      <a:schemeClr val="accent1"/>
+    </dgm:fillClrLst>
+    <dgm:linClrLst meth="repeat">
+      <a:schemeClr val="accent1">
+        <a:tint val="50000"/>
+      </a:schemeClr>
+    </dgm:linClrLst>
+    <dgm:effectClrLst/>
+    <dgm:txLinClrLst/>
+    <dgm:txFillClrLst meth="repeat">
+      <a:schemeClr val="tx1"/>
+    </dgm:txFillClrLst>
+    <dgm:txEffectClrLst/>
+  </dgm:styleLbl>
+  <dgm:styleLbl name="asst0">
+    <dgm:fillClrLst meth="repeat">
+      <a:schemeClr val="accent1"/>
+    </dgm:fillClrLst>
+    <dgm:linClrLst meth="repeat">
+      <a:schemeClr val="lt1"/>
+    </dgm:linClrLst>
+    <dgm:effectClrLst/>
+    <dgm:txLinClrLst/>
+    <dgm:txFillClrLst/>
+    <dgm:txEffectClrLst/>
+  </dgm:styleLbl>
+  <dgm:styleLbl name="asst1">
+    <dgm:fillClrLst meth="repeat">
+      <a:schemeClr val="accent1"/>
+    </dgm:fillClrLst>
+    <dgm:linClrLst meth="repeat">
+      <a:schemeClr val="lt1"/>
+    </dgm:linClrLst>
+    <dgm:effectClrLst/>
+    <dgm:txLinClrLst/>
+    <dgm:txFillClrLst/>
+    <dgm:txEffectClrLst/>
+  </dgm:styleLbl>
+  <dgm:styleLbl name="asst2">
+    <dgm:fillClrLst meth="repeat">
+      <a:schemeClr val="accent1"/>
+    </dgm:fillClrLst>
+    <dgm:linClrLst meth="repeat">
+      <a:schemeClr val="lt1"/>
+    </dgm:linClrLst>
+    <dgm:effectClrLst/>
+    <dgm:txLinClrLst/>
+    <dgm:txFillClrLst/>
+    <dgm:txEffectClrLst/>
+  </dgm:styleLbl>
+  <dgm:styleLbl name="asst3">
+    <dgm:fillClrLst meth="repeat">
+      <a:schemeClr val="accent1"/>
+    </dgm:fillClrLst>
+    <dgm:linClrLst meth="repeat">
+      <a:schemeClr val="lt1"/>
+    </dgm:linClrLst>
+    <dgm:effectClrLst/>
+    <dgm:txLinClrLst/>
+    <dgm:txFillClrLst/>
+    <dgm:txEffectClrLst/>
+  </dgm:styleLbl>
+  <dgm:styleLbl name="asst4">
+    <dgm:fillClrLst meth="repeat">
+      <a:schemeClr val="accent1"/>
+    </dgm:fillClrLst>
+    <dgm:linClrLst meth="repeat">
+      <a:schemeClr val="lt1"/>
+    </dgm:linClrLst>
+    <dgm:effectClrLst/>
+    <dgm:txLinClrLst/>
+    <dgm:txFillClrLst/>
+    <dgm:txEffectClrLst/>
+  </dgm:styleLbl>
+  <dgm:styleLbl name="parChTrans2D1">
+    <dgm:fillClrLst meth="repeat">
+      <a:schemeClr val="accent1">
+        <a:tint val="60000"/>
+      </a:schemeClr>
+    </dgm:fillClrLst>
+    <dgm:linClrLst meth="repeat">
+      <a:schemeClr val="accent1">
+        <a:tint val="60000"/>
+      </a:schemeClr>
+    </dgm:linClrLst>
+    <dgm:effectClrLst/>
+    <dgm:txLinClrLst/>
+    <dgm:txFillClrLst meth="repeat">
+      <a:schemeClr val="lt1"/>
+    </dgm:txFillClrLst>
+    <dgm:txEffectClrLst/>
+  </dgm:styleLbl>
+  <dgm:styleLbl name="parChTrans2D2">
+    <dgm:fillClrLst meth="repeat">
+      <a:schemeClr val="accent1"/>
+    </dgm:fillClrLst>
+    <dgm:linClrLst meth="repeat">
+      <a:schemeClr val="accent1"/>
+    </dgm:linClrLst>
+    <dgm:effectClrLst/>
+    <dgm:txLinClrLst/>
+    <dgm:txFillClrLst meth="repeat">
+      <a:schemeClr val="lt1"/>
+    </dgm:txFillClrLst>
+    <dgm:txEffectClrLst/>
+  </dgm:styleLbl>
+  <dgm:styleLbl name="parChTrans2D3">
+    <dgm:fillClrLst meth="repeat">
+      <a:schemeClr val="accent1"/>
+    </dgm:fillClrLst>
+    <dgm:linClrLst meth="repeat">
+      <a:schemeClr val="accent1"/>
+    </dgm:linClrLst>
+    <dgm:effectClrLst/>
+    <dgm:txLinClrLst/>
+    <dgm:txFillClrLst meth="repeat">
+      <a:schemeClr val="lt1"/>
+    </dgm:txFillClrLst>
+    <dgm:txEffectClrLst/>
+  </dgm:styleLbl>
+  <dgm:styleLbl name="parChTrans2D4">
+    <dgm:fillClrLst meth="repeat">
+      <a:schemeClr val="accent1"/>
+    </dgm:fillClrLst>
+    <dgm:linClrLst meth="repeat">
+      <a:schemeClr val="accent1"/>
+    </dgm:linClrLst>
+    <dgm:effectClrLst/>
+    <dgm:txLinClrLst/>
+    <dgm:txFillClrLst meth="repeat">
+      <a:schemeClr val="lt1"/>
+    </dgm:txFillClrLst>
+    <dgm:txEffectClrLst/>
+  </dgm:styleLbl>
+  <dgm:styleLbl name="parChTrans1D1">
+    <dgm:fillClrLst meth="repeat">
+      <a:schemeClr val="accent1"/>
+    </dgm:fillClrLst>
+    <dgm:linClrLst meth="repeat">
+      <a:schemeClr val="accent1">
+        <a:shade val="60000"/>
+      </a:schemeClr>
+    </dgm:linClrLst>
+    <dgm:effectClrLst/>
+    <dgm:txLinClrLst/>
+    <dgm:txFillClrLst meth="repeat">
+      <a:schemeClr val="tx1"/>
+    </dgm:txFillClrLst>
+    <dgm:txEffectClrLst/>
+  </dgm:styleLbl>
+  <dgm:styleLbl name="parChTrans1D2">
+    <dgm:fillClrLst meth="repeat">
+      <a:schemeClr val="accent1"/>
+    </dgm:fillClrLst>
+    <dgm:linClrLst meth="repeat">
+      <a:schemeClr val="accent1">
+        <a:shade val="60000"/>
+      </a:schemeClr>
+    </dgm:linClrLst>
+    <dgm:effectClrLst/>
+    <dgm:txLinClrLst/>
+    <dgm:txFillClrLst meth="repeat">
+      <a:schemeClr val="tx1"/>
+    </dgm:txFillClrLst>
+    <dgm:txEffectClrLst/>
+  </dgm:styleLbl>
+  <dgm:styleLbl name="parChTrans1D3">
+    <dgm:fillClrLst meth="repeat">
+      <a:schemeClr val="accent1"/>
+    </dgm:fillClrLst>
+    <dgm:linClrLst meth="repeat">
+      <a:schemeClr val="accent1">
+        <a:shade val="80000"/>
+      </a:schemeClr>
+    </dgm:linClrLst>
+    <dgm:effectClrLst/>
+    <dgm:txLinClrLst/>
+    <dgm:txFillClrLst meth="repeat">
+      <a:schemeClr val="tx1"/>
+    </dgm:txFillClrLst>
+    <dgm:txEffectClrLst/>
+  </dgm:styleLbl>
+  <dgm:styleLbl name="parChTrans1D4">
+    <dgm:fillClrLst meth="repeat">
+      <a:schemeClr val="accent1"/>
+    </dgm:fillClrLst>
+    <dgm:linClrLst meth="repeat">
+      <a:schemeClr val="accent1">
+        <a:shade val="80000"/>
+      </a:schemeClr>
+    </dgm:linClrLst>
+    <dgm:effectClrLst/>
+    <dgm:txLinClrLst/>
+    <dgm:txFillClrLst meth="repeat">
+      <a:schemeClr val="tx1"/>
+    </dgm:txFillClrLst>
+    <dgm:txEffectClrLst/>
+  </dgm:styleLbl>
+  <dgm:styleLbl name="fgAcc1">
+    <dgm:fillClrLst meth="repeat">
+      <a:schemeClr val="lt1">
+        <a:alpha val="90000"/>
+      </a:schemeClr>
+    </dgm:fillClrLst>
+    <dgm:linClrLst meth="repeat">
+      <a:schemeClr val="accent1"/>
+    </dgm:linClrLst>
+    <dgm:effectClrLst/>
+    <dgm:txLinClrLst/>
+    <dgm:txFillClrLst meth="repeat">
+      <a:schemeClr val="dk1"/>
+    </dgm:txFillClrLst>
+    <dgm:txEffectClrLst/>
+  </dgm:styleLbl>
+  <dgm:styleLbl name="conFgAcc1">
+    <dgm:fillClrLst meth="repeat">
+      <a:schemeClr val="lt1">
+        <a:alpha val="90000"/>
+      </a:schemeClr>
+    </dgm:fillClrLst>
+    <dgm:linClrLst meth="repeat">
+      <a:schemeClr val="accent1"/>
+    </dgm:linClrLst>
+    <dgm:effectClrLst/>
+    <dgm:txLinClrLst/>
+    <dgm:txFillClrLst meth="repeat">
+      <a:schemeClr val="dk1"/>
+    </dgm:txFillClrLst>
+    <dgm:txEffectClrLst/>
+  </dgm:styleLbl>
+  <dgm:styleLbl name="alignAcc1">
+    <dgm:fillClrLst meth="repeat">
+      <a:schemeClr val="lt1">
+        <a:alpha val="90000"/>
+      </a:schemeClr>
+    </dgm:fillClrLst>
+    <dgm:linClrLst meth="repeat">
+      <a:schemeClr val="accent1"/>
+    </dgm:linClrLst>
+    <dgm:effectClrLst/>
+    <dgm:txLinClrLst/>
+    <dgm:txFillClrLst meth="repeat">
+      <a:schemeClr val="dk1"/>
+    </dgm:txFillClrLst>
+    <dgm:txEffectClrLst/>
+  </dgm:styleLbl>
+  <dgm:styleLbl name="trAlignAcc1">
+    <dgm:fillClrLst meth="repeat">
+      <a:schemeClr val="lt1">
+        <a:alpha val="40000"/>
+      </a:schemeClr>
+    </dgm:fillClrLst>
+    <dgm:linClrLst meth="repeat">
+      <a:schemeClr val="accent1"/>
+    </dgm:linClrLst>
+    <dgm:effectClrLst/>
+    <dgm:txLinClrLst/>
+    <dgm:txFillClrLst meth="repeat">
+      <a:schemeClr val="dk1"/>
+    </dgm:txFillClrLst>
+    <dgm:txEffectClrLst/>
+  </dgm:styleLbl>
+  <dgm:styleLbl name="bgAcc1">
+    <dgm:fillClrLst meth="repeat">
+      <a:schemeClr val="lt1">
+        <a:alpha val="90000"/>
+      </a:schemeClr>
+    </dgm:fillClrLst>
+    <dgm:linClrLst meth="repeat">
+      <a:schemeClr val="accent1"/>
+    </dgm:linClrLst>
+    <dgm:effectClrLst/>
+    <dgm:txLinClrLst/>
+    <dgm:txFillClrLst meth="repeat">
+      <a:schemeClr val="dk1"/>
+    </dgm:txFillClrLst>
+    <dgm:txEffectClrLst/>
+  </dgm:styleLbl>
+  <dgm:styleLbl name="solidFgAcc1">
+    <dgm:fillClrLst meth="repeat">
+      <a:schemeClr val="lt1"/>
+    </dgm:fillClrLst>
+    <dgm:linClrLst meth="repeat">
+      <a:schemeClr val="accent1"/>
+    </dgm:linClrLst>
+    <dgm:effectClrLst/>
+    <dgm:txLinClrLst/>
+    <dgm:txFillClrLst meth="repeat">
+      <a:schemeClr val="dk1"/>
+    </dgm:txFillClrLst>
+    <dgm:txEffectClrLst/>
+  </dgm:styleLbl>
+  <dgm:styleLbl name="solidAlignAcc1">
+    <dgm:fillClrLst meth="repeat">
+      <a:schemeClr val="lt1"/>
+    </dgm:fillClrLst>
+    <dgm:linClrLst meth="repeat">
+      <a:schemeClr val="accent1"/>
+    </dgm:linClrLst>
+    <dgm:effectClrLst/>
+    <dgm:txLinClrLst/>
+    <dgm:txFillClrLst meth="repeat">
+      <a:schemeClr val="dk1"/>
+    </dgm:txFillClrLst>
+    <dgm:txEffectClrLst/>
+  </dgm:styleLbl>
+  <dgm:styleLbl name="solidBgAcc1">
+    <dgm:fillClrLst meth="repeat">
+      <a:schemeClr val="lt1"/>
+    </dgm:fillClrLst>
+    <dgm:linClrLst meth="repeat">
+      <a:schemeClr val="accent1"/>
+    </dgm:linClrLst>
+    <dgm:effectClrLst/>
+    <dgm:txLinClrLst/>
+    <dgm:txFillClrLst meth="repeat">
+      <a:schemeClr val="dk1"/>
+    </dgm:txFillClrLst>
+    <dgm:txEffectClrLst/>
+  </dgm:styleLbl>
+  <dgm:styleLbl name="fgAccFollowNode1">
+    <dgm:fillClrLst meth="repeat">
+      <a:schemeClr val="accent1">
+        <a:alpha val="90000"/>
+        <a:tint val="40000"/>
+      </a:schemeClr>
+    </dgm:fillClrLst>
+    <dgm:linClrLst meth="repeat">
+      <a:schemeClr val="accent1">
+        <a:alpha val="90000"/>
+        <a:tint val="40000"/>
+      </a:schemeClr>
+    </dgm:linClrLst>
+    <dgm:effectClrLst/>
+    <dgm:txLinClrLst/>
+    <dgm:txFillClrLst meth="repeat">
+      <a:schemeClr val="dk1"/>
+    </dgm:txFillClrLst>
+    <dgm:txEffectClrLst/>
+  </dgm:styleLbl>
+  <dgm:styleLbl name="alignAccFollowNode1">
+    <dgm:fillClrLst meth="repeat">
+      <a:schemeClr val="accent1">
+        <a:alpha val="90000"/>
+        <a:tint val="40000"/>
+      </a:schemeClr>
+    </dgm:fillClrLst>
+    <dgm:linClrLst meth="repeat">
+      <a:schemeClr val="accent1">
+        <a:alpha val="90000"/>
+        <a:tint val="40000"/>
+      </a:schemeClr>
+    </dgm:linClrLst>
+    <dgm:effectClrLst/>
+    <dgm:txLinClrLst/>
+    <dgm:txFillClrLst meth="repeat">
+      <a:schemeClr val="dk1"/>
+    </dgm:txFillClrLst>
+    <dgm:txEffectClrLst/>
+  </dgm:styleLbl>
+  <dgm:styleLbl name="bgAccFollowNode1">
+    <dgm:fillClrLst meth="repeat">
+      <a:schemeClr val="accent1">
+        <a:alpha val="90000"/>
+        <a:tint val="40000"/>
+      </a:schemeClr>
+    </dgm:fillClrLst>
+    <dgm:linClrLst meth="repeat">
+      <a:schemeClr val="accent1">
+        <a:alpha val="90000"/>
+        <a:tint val="40000"/>
+      </a:schemeClr>
+    </dgm:linClrLst>
+    <dgm:effectClrLst/>
+    <dgm:txLinClrLst/>
+    <dgm:txFillClrLst meth="repeat">
+      <a:schemeClr val="dk1"/>
+    </dgm:txFillClrLst>
+    <dgm:txEffectClrLst/>
+  </dgm:styleLbl>
+  <dgm:styleLbl name="fgAcc0">
+    <dgm:fillClrLst meth="repeat">
+      <a:schemeClr val="lt1">
+        <a:alpha val="90000"/>
+      </a:schemeClr>
+    </dgm:fillClrLst>
+    <dgm:linClrLst meth="repeat">
+      <a:schemeClr val="accent1"/>
+    </dgm:linClrLst>
+    <dgm:effectClrLst/>
+    <dgm:txLinClrLst/>
+    <dgm:txFillClrLst meth="repeat">
+      <a:schemeClr val="dk1"/>
+    </dgm:txFillClrLst>
+    <dgm:txEffectClrLst/>
+  </dgm:styleLbl>
+  <dgm:styleLbl name="fgAcc2">
+    <dgm:fillClrLst meth="repeat">
+      <a:schemeClr val="lt1">
+        <a:alpha val="90000"/>
+      </a:schemeClr>
+    </dgm:fillClrLst>
+    <dgm:linClrLst meth="repeat">
+      <a:schemeClr val="accent1"/>
+    </dgm:linClrLst>
+    <dgm:effectClrLst/>
+    <dgm:txLinClrLst/>
+    <dgm:txFillClrLst meth="repeat">
+      <a:schemeClr val="dk1"/>
+    </dgm:txFillClrLst>
+    <dgm:txEffectClrLst/>
+  </dgm:styleLbl>
+  <dgm:styleLbl name="fgAcc3">
+    <dgm:fillClrLst meth="repeat">
+      <a:schemeClr val="lt1">
+        <a:alpha val="90000"/>
+      </a:schemeClr>
+    </dgm:fillClrLst>
+    <dgm:linClrLst meth="repeat">
+      <a:schemeClr val="accent1"/>
+    </dgm:linClrLst>
+    <dgm:effectClrLst/>
+    <dgm:txLinClrLst/>
+    <dgm:txFillClrLst meth="repeat">
+      <a:schemeClr val="dk1"/>
+    </dgm:txFillClrLst>
+    <dgm:txEffectClrLst/>
+  </dgm:styleLbl>
+  <dgm:styleLbl name="fgAcc4">
+    <dgm:fillClrLst meth="repeat">
+      <a:schemeClr val="lt1">
+        <a:alpha val="90000"/>
+      </a:schemeClr>
+    </dgm:fillClrLst>
+    <dgm:linClrLst meth="repeat">
+      <a:schemeClr val="accent1"/>
+    </dgm:linClrLst>
+    <dgm:effectClrLst/>
+    <dgm:txLinClrLst/>
+    <dgm:txFillClrLst meth="repeat">
+      <a:schemeClr val="dk1"/>
+    </dgm:txFillClrLst>
+    <dgm:txEffectClrLst/>
+  </dgm:styleLbl>
+  <dgm:styleLbl name="bgShp">
+    <dgm:fillClrLst meth="repeat">
+      <a:schemeClr val="accent1">
+        <a:tint val="40000"/>
+      </a:schemeClr>
+    </dgm:fillClrLst>
+    <dgm:linClrLst meth="repeat">
+      <a:schemeClr val="accent1"/>
+    </dgm:linClrLst>
+    <dgm:effectClrLst/>
+    <dgm:txLinClrLst/>
+    <dgm:txFillClrLst meth="repeat">
+      <a:schemeClr val="dk1"/>
+    </dgm:txFillClrLst>
+    <dgm:txEffectClrLst/>
+  </dgm:styleLbl>
+  <dgm:styleLbl name="dkBgShp">
+    <dgm:fillClrLst meth="repeat">
+      <a:schemeClr val="accent1">
+        <a:shade val="80000"/>
+      </a:schemeClr>
+    </dgm:fillClrLst>
+    <dgm:linClrLst meth="repeat">
+      <a:schemeClr val="accent1"/>
+    </dgm:linClrLst>
+    <dgm:effectClrLst/>
+    <dgm:txLinClrLst/>
+    <dgm:txFillClrLst meth="repeat">
+      <a:schemeClr val="lt1"/>
+    </dgm:txFillClrLst>
+    <dgm:txEffectClrLst/>
+  </dgm:styleLbl>
+  <dgm:styleLbl name="trBgShp">
+    <dgm:fillClrLst meth="repeat">
+      <a:schemeClr val="accent1">
+        <a:tint val="50000"/>
+        <a:alpha val="40000"/>
+      </a:schemeClr>
+    </dgm:fillClrLst>
+    <dgm:linClrLst meth="repeat">
+      <a:schemeClr val="accent1"/>
+    </dgm:linClrLst>
+    <dgm:effectClrLst/>
+    <dgm:txLinClrLst/>
+    <dgm:txFillClrLst meth="repeat">
+      <a:schemeClr val="lt1"/>
+    </dgm:txFillClrLst>
+    <dgm:txEffectClrLst/>
+  </dgm:styleLbl>
+  <dgm:styleLbl name="fgShp">
+    <dgm:fillClrLst meth="repeat">
+      <a:schemeClr val="accent1">
+        <a:tint val="60000"/>
+      </a:schemeClr>
+    </dgm:fillClrLst>
+    <dgm:linClrLst meth="repeat">
+      <a:schemeClr val="lt1"/>
+    </dgm:linClrLst>
+    <dgm:effectClrLst/>
+    <dgm:txLinClrLst/>
+    <dgm:txFillClrLst meth="repeat">
+      <a:schemeClr val="dk1"/>
+    </dgm:txFillClrLst>
+    <dgm:txEffectClrLst/>
+  </dgm:styleLbl>
+  <dgm:styleLbl name="revTx">
+    <dgm:fillClrLst meth="repeat">
+      <a:schemeClr val="lt1">
+        <a:alpha val="0"/>
+      </a:schemeClr>
+    </dgm:fillClrLst>
+    <dgm:linClrLst meth="repeat">
+      <a:schemeClr val="dk1">
+        <a:alpha val="0"/>
+      </a:schemeClr>
+    </dgm:linClrLst>
+    <dgm:effectClrLst/>
+    <dgm:txLinClrLst/>
+    <dgm:txFillClrLst meth="repeat">
+      <a:schemeClr val="tx1"/>
+    </dgm:txFillClrLst>
+    <dgm:txEffectClrLst/>
+  </dgm:styleLbl>
+</dgm:colorsDef>
+</file>
+
+<file path=ppt/diagrams/data1.xml><?xml version="1.0" encoding="utf-8"?>
+<dgm:dataModel xmlns:dgm="http://schemas.openxmlformats.org/drawingml/2006/diagram" xmlns:a="http://schemas.openxmlformats.org/drawingml/2006/main">
+  <dgm:ptLst>
+    <dgm:pt modelId="{B7AAFA32-BAF3-4A11-A743-37C43E91BB00}" type="doc">
+      <dgm:prSet loTypeId="urn:microsoft.com/office/officeart/2005/8/layout/cycle1" loCatId="cycle" qsTypeId="urn:microsoft.com/office/officeart/2005/8/quickstyle/simple1" qsCatId="simple" csTypeId="urn:microsoft.com/office/officeart/2005/8/colors/accent1_2" csCatId="accent1" phldr="1"/>
+      <dgm:spPr/>
+      <dgm:t>
+        <a:bodyPr/>
+        <a:lstStyle/>
+        <a:p>
+          <a:endParaRPr lang="en-US"/>
+        </a:p>
+      </dgm:t>
+    </dgm:pt>
+    <dgm:pt modelId="{0206C825-8807-429F-B756-862857D4AD6D}">
+      <dgm:prSet phldrT="[Text]"/>
+      <dgm:spPr/>
+      <dgm:t>
+        <a:bodyPr/>
+        <a:lstStyle/>
+        <a:p>
+          <a:r>
+            <a:rPr lang="en-IE" dirty="0" smtClean="0"/>
+            <a:t>Nth Music Guest Connects</a:t>
+          </a:r>
+          <a:endParaRPr lang="en-US" dirty="0"/>
+        </a:p>
+      </dgm:t>
+    </dgm:pt>
+    <dgm:pt modelId="{366E6BAA-2B19-42A2-A77F-9298E491A5FF}" type="parTrans" cxnId="{6CAE084F-4533-460C-AA44-2408DCDC57C8}">
+      <dgm:prSet/>
+      <dgm:spPr/>
+      <dgm:t>
+        <a:bodyPr/>
+        <a:lstStyle/>
+        <a:p>
+          <a:endParaRPr lang="en-US"/>
+        </a:p>
+      </dgm:t>
+    </dgm:pt>
+    <dgm:pt modelId="{1FABF1A9-63F4-4A25-9432-E5D06F60EABC}" type="sibTrans" cxnId="{6CAE084F-4533-460C-AA44-2408DCDC57C8}">
+      <dgm:prSet/>
+      <dgm:spPr>
+        <a:solidFill>
+          <a:srgbClr val="00B050"/>
+        </a:solidFill>
+      </dgm:spPr>
+      <dgm:t>
+        <a:bodyPr/>
+        <a:lstStyle/>
+        <a:p>
+          <a:endParaRPr lang="en-US"/>
+        </a:p>
+      </dgm:t>
+    </dgm:pt>
+    <dgm:pt modelId="{1BDDB271-9B1F-43BC-B1B8-AE2275C26CF9}">
+      <dgm:prSet phldrT="[Text]"/>
+      <dgm:spPr/>
+      <dgm:t>
+        <a:bodyPr/>
+        <a:lstStyle/>
+        <a:p>
+          <a:r>
+            <a:rPr lang="en-IE" dirty="0" smtClean="0"/>
+            <a:t>Music Host sends song selection </a:t>
+          </a:r>
+          <a:endParaRPr lang="en-US" dirty="0"/>
+        </a:p>
+      </dgm:t>
+    </dgm:pt>
+    <dgm:pt modelId="{E27E778E-F5A0-4AC4-999A-22B4B03374EC}" type="parTrans" cxnId="{AB5EB6FF-82B8-4665-80BE-2E80B42CF95B}">
+      <dgm:prSet/>
+      <dgm:spPr/>
+      <dgm:t>
+        <a:bodyPr/>
+        <a:lstStyle/>
+        <a:p>
+          <a:endParaRPr lang="en-US"/>
+        </a:p>
+      </dgm:t>
+    </dgm:pt>
+    <dgm:pt modelId="{FBCAF556-9924-4C42-9E02-B779132D40B3}" type="sibTrans" cxnId="{AB5EB6FF-82B8-4665-80BE-2E80B42CF95B}">
+      <dgm:prSet/>
+      <dgm:spPr/>
+      <dgm:t>
+        <a:bodyPr/>
+        <a:lstStyle/>
+        <a:p>
+          <a:endParaRPr lang="en-US"/>
+        </a:p>
+      </dgm:t>
+    </dgm:pt>
+    <dgm:pt modelId="{12D4ED93-DFDA-40FB-9CE6-8BAAB0B80B04}">
+      <dgm:prSet phldrT="[Text]"/>
+      <dgm:spPr/>
+      <dgm:t>
+        <a:bodyPr/>
+        <a:lstStyle/>
+        <a:p>
+          <a:r>
+            <a:rPr lang="en-IE" dirty="0" smtClean="0"/>
+            <a:t>Music</a:t>
+          </a:r>
+        </a:p>
+        <a:p>
+          <a:r>
+            <a:rPr lang="en-IE" dirty="0" smtClean="0"/>
+            <a:t>Guest chooses a song </a:t>
+          </a:r>
+          <a:endParaRPr lang="en-US" dirty="0"/>
+        </a:p>
+      </dgm:t>
+    </dgm:pt>
+    <dgm:pt modelId="{7A288E07-7004-44C6-B49B-8568DF807211}" type="parTrans" cxnId="{6A015B44-416A-48DD-9B6A-2C7B0FFCF019}">
+      <dgm:prSet/>
+      <dgm:spPr/>
+      <dgm:t>
+        <a:bodyPr/>
+        <a:lstStyle/>
+        <a:p>
+          <a:endParaRPr lang="en-US"/>
+        </a:p>
+      </dgm:t>
+    </dgm:pt>
+    <dgm:pt modelId="{7CA1D891-FF72-4274-95A0-0FFFAE2640E0}" type="sibTrans" cxnId="{6A015B44-416A-48DD-9B6A-2C7B0FFCF019}">
+      <dgm:prSet/>
+      <dgm:spPr>
+        <a:solidFill>
+          <a:srgbClr val="00B050"/>
+        </a:solidFill>
+      </dgm:spPr>
+      <dgm:t>
+        <a:bodyPr/>
+        <a:lstStyle/>
+        <a:p>
+          <a:endParaRPr lang="en-US"/>
+        </a:p>
+      </dgm:t>
+    </dgm:pt>
+    <dgm:pt modelId="{FEE5B15B-B9A3-4ADE-9E80-C1D3065D56F4}">
+      <dgm:prSet phldrT="[Text]"/>
+      <dgm:spPr/>
+      <dgm:t>
+        <a:bodyPr/>
+        <a:lstStyle/>
+        <a:p>
+          <a:r>
+            <a:rPr lang="en-IE" dirty="0" smtClean="0"/>
+            <a:t>Music Host queues the song</a:t>
+          </a:r>
+          <a:endParaRPr lang="en-US" dirty="0"/>
+        </a:p>
+      </dgm:t>
+    </dgm:pt>
+    <dgm:pt modelId="{BDC2C727-8134-4CAA-91E7-AC4D524CED63}" type="parTrans" cxnId="{1FB39DED-473C-463C-BF88-496326FAD8B6}">
+      <dgm:prSet/>
+      <dgm:spPr/>
+      <dgm:t>
+        <a:bodyPr/>
+        <a:lstStyle/>
+        <a:p>
+          <a:endParaRPr lang="en-US"/>
+        </a:p>
+      </dgm:t>
+    </dgm:pt>
+    <dgm:pt modelId="{4DC5C78D-37A1-42C6-B025-EC121AFE6842}" type="sibTrans" cxnId="{1FB39DED-473C-463C-BF88-496326FAD8B6}">
+      <dgm:prSet/>
+      <dgm:spPr/>
+      <dgm:t>
+        <a:bodyPr/>
+        <a:lstStyle/>
+        <a:p>
+          <a:endParaRPr lang="en-US"/>
+        </a:p>
+      </dgm:t>
+    </dgm:pt>
+    <dgm:pt modelId="{711A5A69-2058-4EE2-9195-889B1AF00262}">
+      <dgm:prSet phldrT="[Text]"/>
+      <dgm:spPr/>
+      <dgm:t>
+        <a:bodyPr/>
+        <a:lstStyle/>
+        <a:p>
+          <a:r>
+            <a:rPr lang="en-IE" dirty="0" smtClean="0"/>
+            <a:t>Music Guest disconnects</a:t>
+          </a:r>
+          <a:endParaRPr lang="en-US" dirty="0"/>
+        </a:p>
+      </dgm:t>
+    </dgm:pt>
+    <dgm:pt modelId="{2F8D4BD6-D1F1-4105-8BCA-802D0B05AF6A}" type="parTrans" cxnId="{74DE968A-F6C7-4768-9047-6068DEA5C137}">
+      <dgm:prSet/>
+      <dgm:spPr/>
+      <dgm:t>
+        <a:bodyPr/>
+        <a:lstStyle/>
+        <a:p>
+          <a:endParaRPr lang="en-US"/>
+        </a:p>
+      </dgm:t>
+    </dgm:pt>
+    <dgm:pt modelId="{4F893F72-6FCB-44A8-AEAC-35992F67FF78}" type="sibTrans" cxnId="{74DE968A-F6C7-4768-9047-6068DEA5C137}">
+      <dgm:prSet/>
+      <dgm:spPr>
+        <a:solidFill>
+          <a:schemeClr val="accent1">
+            <a:lumMod val="50000"/>
+          </a:schemeClr>
+        </a:solidFill>
+      </dgm:spPr>
+      <dgm:t>
+        <a:bodyPr/>
+        <a:lstStyle/>
+        <a:p>
+          <a:endParaRPr lang="en-US"/>
+        </a:p>
+      </dgm:t>
+    </dgm:pt>
+    <dgm:pt modelId="{55AE699C-4257-4DF3-B12D-0ABDA59A2844}" type="pres">
+      <dgm:prSet presAssocID="{B7AAFA32-BAF3-4A11-A743-37C43E91BB00}" presName="cycle" presStyleCnt="0">
+        <dgm:presLayoutVars>
+          <dgm:dir/>
+          <dgm:resizeHandles val="exact"/>
+        </dgm:presLayoutVars>
+      </dgm:prSet>
+      <dgm:spPr/>
+    </dgm:pt>
+    <dgm:pt modelId="{31EC5DEB-BD3A-4CAA-800B-CA6922F09094}" type="pres">
+      <dgm:prSet presAssocID="{0206C825-8807-429F-B756-862857D4AD6D}" presName="dummy" presStyleCnt="0"/>
+      <dgm:spPr/>
+    </dgm:pt>
+    <dgm:pt modelId="{F188BDE4-33C1-459A-82A9-4C3E131C372C}" type="pres">
+      <dgm:prSet presAssocID="{0206C825-8807-429F-B756-862857D4AD6D}" presName="node" presStyleLbl="revTx" presStyleIdx="0" presStyleCnt="5">
+        <dgm:presLayoutVars>
+          <dgm:bulletEnabled val="1"/>
+        </dgm:presLayoutVars>
+      </dgm:prSet>
+      <dgm:spPr/>
+      <dgm:t>
+        <a:bodyPr/>
+        <a:lstStyle/>
+        <a:p>
+          <a:endParaRPr lang="en-US"/>
+        </a:p>
+      </dgm:t>
+    </dgm:pt>
+    <dgm:pt modelId="{14ACB47E-F1F6-46C8-A722-651E9D0B9BDF}" type="pres">
+      <dgm:prSet presAssocID="{1FABF1A9-63F4-4A25-9432-E5D06F60EABC}" presName="sibTrans" presStyleLbl="node1" presStyleIdx="0" presStyleCnt="5"/>
+      <dgm:spPr/>
+    </dgm:pt>
+    <dgm:pt modelId="{F34AA11F-645F-42E7-A5A7-C9C116AF736F}" type="pres">
+      <dgm:prSet presAssocID="{1BDDB271-9B1F-43BC-B1B8-AE2275C26CF9}" presName="dummy" presStyleCnt="0"/>
+      <dgm:spPr/>
+    </dgm:pt>
+    <dgm:pt modelId="{D5A874AA-06B1-45F6-AB77-E5CEC3160ECB}" type="pres">
+      <dgm:prSet presAssocID="{1BDDB271-9B1F-43BC-B1B8-AE2275C26CF9}" presName="node" presStyleLbl="revTx" presStyleIdx="1" presStyleCnt="5" custScaleX="166487">
+        <dgm:presLayoutVars>
+          <dgm:bulletEnabled val="1"/>
+        </dgm:presLayoutVars>
+      </dgm:prSet>
+      <dgm:spPr/>
+    </dgm:pt>
+    <dgm:pt modelId="{E4A1B2DF-5814-4791-8BC1-EC418DCEC12C}" type="pres">
+      <dgm:prSet presAssocID="{FBCAF556-9924-4C42-9E02-B779132D40B3}" presName="sibTrans" presStyleLbl="node1" presStyleIdx="1" presStyleCnt="5"/>
+      <dgm:spPr/>
+    </dgm:pt>
+    <dgm:pt modelId="{4F98EE20-5637-4F58-AAD6-8AD155696FB3}" type="pres">
+      <dgm:prSet presAssocID="{12D4ED93-DFDA-40FB-9CE6-8BAAB0B80B04}" presName="dummy" presStyleCnt="0"/>
+      <dgm:spPr/>
+    </dgm:pt>
+    <dgm:pt modelId="{D7379B6C-303E-4E34-9813-F4ED27C14A0B}" type="pres">
+      <dgm:prSet presAssocID="{12D4ED93-DFDA-40FB-9CE6-8BAAB0B80B04}" presName="node" presStyleLbl="revTx" presStyleIdx="2" presStyleCnt="5" custScaleY="161624">
+        <dgm:presLayoutVars>
+          <dgm:bulletEnabled val="1"/>
+        </dgm:presLayoutVars>
+      </dgm:prSet>
+      <dgm:spPr/>
+    </dgm:pt>
+    <dgm:pt modelId="{ACD5EC38-92BD-47CE-84FD-22E5CD98A9D2}" type="pres">
+      <dgm:prSet presAssocID="{7CA1D891-FF72-4274-95A0-0FFFAE2640E0}" presName="sibTrans" presStyleLbl="node1" presStyleIdx="2" presStyleCnt="5"/>
+      <dgm:spPr/>
+    </dgm:pt>
+    <dgm:pt modelId="{4FBE43C9-82B1-4A5F-8374-347D8A6CF660}" type="pres">
+      <dgm:prSet presAssocID="{FEE5B15B-B9A3-4ADE-9E80-C1D3065D56F4}" presName="dummy" presStyleCnt="0"/>
+      <dgm:spPr/>
+    </dgm:pt>
+    <dgm:pt modelId="{F291E509-CE2C-4D2C-81AE-5A8881A4BDDD}" type="pres">
+      <dgm:prSet presAssocID="{FEE5B15B-B9A3-4ADE-9E80-C1D3065D56F4}" presName="node" presStyleLbl="revTx" presStyleIdx="3" presStyleCnt="5">
+        <dgm:presLayoutVars>
+          <dgm:bulletEnabled val="1"/>
+        </dgm:presLayoutVars>
+      </dgm:prSet>
+      <dgm:spPr/>
+      <dgm:t>
+        <a:bodyPr/>
+        <a:lstStyle/>
+        <a:p>
+          <a:endParaRPr lang="en-US"/>
+        </a:p>
+      </dgm:t>
+    </dgm:pt>
+    <dgm:pt modelId="{BEAF01D9-F070-4F90-8056-548419B5C132}" type="pres">
+      <dgm:prSet presAssocID="{4DC5C78D-37A1-42C6-B025-EC121AFE6842}" presName="sibTrans" presStyleLbl="node1" presStyleIdx="3" presStyleCnt="5"/>
+      <dgm:spPr/>
+    </dgm:pt>
+    <dgm:pt modelId="{8E5CC123-5775-40ED-A1C2-93E28F80D13F}" type="pres">
+      <dgm:prSet presAssocID="{711A5A69-2058-4EE2-9195-889B1AF00262}" presName="dummy" presStyleCnt="0"/>
+      <dgm:spPr/>
+    </dgm:pt>
+    <dgm:pt modelId="{40AB0446-CEAA-4814-A400-98CDECE30303}" type="pres">
+      <dgm:prSet presAssocID="{711A5A69-2058-4EE2-9195-889B1AF00262}" presName="node" presStyleLbl="revTx" presStyleIdx="4" presStyleCnt="5" custScaleY="130103">
+        <dgm:presLayoutVars>
+          <dgm:bulletEnabled val="1"/>
+        </dgm:presLayoutVars>
+      </dgm:prSet>
+      <dgm:spPr/>
+    </dgm:pt>
+    <dgm:pt modelId="{6BEDCF32-31D8-4695-BD7C-B5422296756E}" type="pres">
+      <dgm:prSet presAssocID="{4F893F72-6FCB-44A8-AEAC-35992F67FF78}" presName="sibTrans" presStyleLbl="node1" presStyleIdx="4" presStyleCnt="5"/>
+      <dgm:spPr/>
+    </dgm:pt>
+  </dgm:ptLst>
+  <dgm:cxnLst>
+    <dgm:cxn modelId="{6432ABB5-B469-47FE-B193-B33E8BC7BCC8}" type="presOf" srcId="{7CA1D891-FF72-4274-95A0-0FFFAE2640E0}" destId="{ACD5EC38-92BD-47CE-84FD-22E5CD98A9D2}" srcOrd="0" destOrd="0" presId="urn:microsoft.com/office/officeart/2005/8/layout/cycle1"/>
+    <dgm:cxn modelId="{008E5BBC-D0D4-455A-B9E4-E337B8351732}" type="presOf" srcId="{711A5A69-2058-4EE2-9195-889B1AF00262}" destId="{40AB0446-CEAA-4814-A400-98CDECE30303}" srcOrd="0" destOrd="0" presId="urn:microsoft.com/office/officeart/2005/8/layout/cycle1"/>
+    <dgm:cxn modelId="{1F223909-2058-402C-AC29-9D5FDEF5FBED}" type="presOf" srcId="{4DC5C78D-37A1-42C6-B025-EC121AFE6842}" destId="{BEAF01D9-F070-4F90-8056-548419B5C132}" srcOrd="0" destOrd="0" presId="urn:microsoft.com/office/officeart/2005/8/layout/cycle1"/>
+    <dgm:cxn modelId="{4EFCE893-14F2-4C8E-B84B-09124B53F551}" type="presOf" srcId="{4F893F72-6FCB-44A8-AEAC-35992F67FF78}" destId="{6BEDCF32-31D8-4695-BD7C-B5422296756E}" srcOrd="0" destOrd="0" presId="urn:microsoft.com/office/officeart/2005/8/layout/cycle1"/>
+    <dgm:cxn modelId="{4EC820D5-55BE-4E69-BE8B-EAA0CEAA8BB4}" type="presOf" srcId="{B7AAFA32-BAF3-4A11-A743-37C43E91BB00}" destId="{55AE699C-4257-4DF3-B12D-0ABDA59A2844}" srcOrd="0" destOrd="0" presId="urn:microsoft.com/office/officeart/2005/8/layout/cycle1"/>
+    <dgm:cxn modelId="{847DE17F-1CB5-48E0-A89A-CAA65D39B259}" type="presOf" srcId="{FEE5B15B-B9A3-4ADE-9E80-C1D3065D56F4}" destId="{F291E509-CE2C-4D2C-81AE-5A8881A4BDDD}" srcOrd="0" destOrd="0" presId="urn:microsoft.com/office/officeart/2005/8/layout/cycle1"/>
+    <dgm:cxn modelId="{6266F141-0A27-4DA7-9FF7-3EF3647FC658}" type="presOf" srcId="{1BDDB271-9B1F-43BC-B1B8-AE2275C26CF9}" destId="{D5A874AA-06B1-45F6-AB77-E5CEC3160ECB}" srcOrd="0" destOrd="0" presId="urn:microsoft.com/office/officeart/2005/8/layout/cycle1"/>
+    <dgm:cxn modelId="{6CAE084F-4533-460C-AA44-2408DCDC57C8}" srcId="{B7AAFA32-BAF3-4A11-A743-37C43E91BB00}" destId="{0206C825-8807-429F-B756-862857D4AD6D}" srcOrd="0" destOrd="0" parTransId="{366E6BAA-2B19-42A2-A77F-9298E491A5FF}" sibTransId="{1FABF1A9-63F4-4A25-9432-E5D06F60EABC}"/>
+    <dgm:cxn modelId="{B5D1FD8E-81C7-4458-913C-D82858DE0708}" type="presOf" srcId="{0206C825-8807-429F-B756-862857D4AD6D}" destId="{F188BDE4-33C1-459A-82A9-4C3E131C372C}" srcOrd="0" destOrd="0" presId="urn:microsoft.com/office/officeart/2005/8/layout/cycle1"/>
+    <dgm:cxn modelId="{AB5EB6FF-82B8-4665-80BE-2E80B42CF95B}" srcId="{B7AAFA32-BAF3-4A11-A743-37C43E91BB00}" destId="{1BDDB271-9B1F-43BC-B1B8-AE2275C26CF9}" srcOrd="1" destOrd="0" parTransId="{E27E778E-F5A0-4AC4-999A-22B4B03374EC}" sibTransId="{FBCAF556-9924-4C42-9E02-B779132D40B3}"/>
+    <dgm:cxn modelId="{6A015B44-416A-48DD-9B6A-2C7B0FFCF019}" srcId="{B7AAFA32-BAF3-4A11-A743-37C43E91BB00}" destId="{12D4ED93-DFDA-40FB-9CE6-8BAAB0B80B04}" srcOrd="2" destOrd="0" parTransId="{7A288E07-7004-44C6-B49B-8568DF807211}" sibTransId="{7CA1D891-FF72-4274-95A0-0FFFAE2640E0}"/>
+    <dgm:cxn modelId="{74DE968A-F6C7-4768-9047-6068DEA5C137}" srcId="{B7AAFA32-BAF3-4A11-A743-37C43E91BB00}" destId="{711A5A69-2058-4EE2-9195-889B1AF00262}" srcOrd="4" destOrd="0" parTransId="{2F8D4BD6-D1F1-4105-8BCA-802D0B05AF6A}" sibTransId="{4F893F72-6FCB-44A8-AEAC-35992F67FF78}"/>
+    <dgm:cxn modelId="{75BFEAFA-AFFD-4495-A7F3-6AC0D7E63B6F}" type="presOf" srcId="{FBCAF556-9924-4C42-9E02-B779132D40B3}" destId="{E4A1B2DF-5814-4791-8BC1-EC418DCEC12C}" srcOrd="0" destOrd="0" presId="urn:microsoft.com/office/officeart/2005/8/layout/cycle1"/>
+    <dgm:cxn modelId="{1FB39DED-473C-463C-BF88-496326FAD8B6}" srcId="{B7AAFA32-BAF3-4A11-A743-37C43E91BB00}" destId="{FEE5B15B-B9A3-4ADE-9E80-C1D3065D56F4}" srcOrd="3" destOrd="0" parTransId="{BDC2C727-8134-4CAA-91E7-AC4D524CED63}" sibTransId="{4DC5C78D-37A1-42C6-B025-EC121AFE6842}"/>
+    <dgm:cxn modelId="{7CEAC9C2-13F3-4529-80DE-84F244BA87B0}" type="presOf" srcId="{1FABF1A9-63F4-4A25-9432-E5D06F60EABC}" destId="{14ACB47E-F1F6-46C8-A722-651E9D0B9BDF}" srcOrd="0" destOrd="0" presId="urn:microsoft.com/office/officeart/2005/8/layout/cycle1"/>
+    <dgm:cxn modelId="{F6B498C5-2CE8-42D4-BAC8-9902CAC95D4D}" type="presOf" srcId="{12D4ED93-DFDA-40FB-9CE6-8BAAB0B80B04}" destId="{D7379B6C-303E-4E34-9813-F4ED27C14A0B}" srcOrd="0" destOrd="0" presId="urn:microsoft.com/office/officeart/2005/8/layout/cycle1"/>
+    <dgm:cxn modelId="{5141D21B-6053-43B3-B8AE-078331F5ADF1}" type="presParOf" srcId="{55AE699C-4257-4DF3-B12D-0ABDA59A2844}" destId="{31EC5DEB-BD3A-4CAA-800B-CA6922F09094}" srcOrd="0" destOrd="0" presId="urn:microsoft.com/office/officeart/2005/8/layout/cycle1"/>
+    <dgm:cxn modelId="{1107ADD5-C960-4686-8AC3-E0FCD53B8C63}" type="presParOf" srcId="{55AE699C-4257-4DF3-B12D-0ABDA59A2844}" destId="{F188BDE4-33C1-459A-82A9-4C3E131C372C}" srcOrd="1" destOrd="0" presId="urn:microsoft.com/office/officeart/2005/8/layout/cycle1"/>
+    <dgm:cxn modelId="{B77B3797-8820-45F3-8869-811C48ABAD0A}" type="presParOf" srcId="{55AE699C-4257-4DF3-B12D-0ABDA59A2844}" destId="{14ACB47E-F1F6-46C8-A722-651E9D0B9BDF}" srcOrd="2" destOrd="0" presId="urn:microsoft.com/office/officeart/2005/8/layout/cycle1"/>
+    <dgm:cxn modelId="{39652270-D886-48B3-A4DF-D13694B11776}" type="presParOf" srcId="{55AE699C-4257-4DF3-B12D-0ABDA59A2844}" destId="{F34AA11F-645F-42E7-A5A7-C9C116AF736F}" srcOrd="3" destOrd="0" presId="urn:microsoft.com/office/officeart/2005/8/layout/cycle1"/>
+    <dgm:cxn modelId="{4157BD36-C29A-4C4A-AC29-01D6C0B6DDEA}" type="presParOf" srcId="{55AE699C-4257-4DF3-B12D-0ABDA59A2844}" destId="{D5A874AA-06B1-45F6-AB77-E5CEC3160ECB}" srcOrd="4" destOrd="0" presId="urn:microsoft.com/office/officeart/2005/8/layout/cycle1"/>
+    <dgm:cxn modelId="{2B157848-BDEE-47D7-8002-61AFC1B9B7DB}" type="presParOf" srcId="{55AE699C-4257-4DF3-B12D-0ABDA59A2844}" destId="{E4A1B2DF-5814-4791-8BC1-EC418DCEC12C}" srcOrd="5" destOrd="0" presId="urn:microsoft.com/office/officeart/2005/8/layout/cycle1"/>
+    <dgm:cxn modelId="{B02306D4-266E-4734-9BC7-D55AD0D9D75A}" type="presParOf" srcId="{55AE699C-4257-4DF3-B12D-0ABDA59A2844}" destId="{4F98EE20-5637-4F58-AAD6-8AD155696FB3}" srcOrd="6" destOrd="0" presId="urn:microsoft.com/office/officeart/2005/8/layout/cycle1"/>
+    <dgm:cxn modelId="{069B6359-DBBF-4590-A37B-0B3183FB0CBC}" type="presParOf" srcId="{55AE699C-4257-4DF3-B12D-0ABDA59A2844}" destId="{D7379B6C-303E-4E34-9813-F4ED27C14A0B}" srcOrd="7" destOrd="0" presId="urn:microsoft.com/office/officeart/2005/8/layout/cycle1"/>
+    <dgm:cxn modelId="{1DBDDEFD-9C94-4E5B-A490-8981F78A4E7D}" type="presParOf" srcId="{55AE699C-4257-4DF3-B12D-0ABDA59A2844}" destId="{ACD5EC38-92BD-47CE-84FD-22E5CD98A9D2}" srcOrd="8" destOrd="0" presId="urn:microsoft.com/office/officeart/2005/8/layout/cycle1"/>
+    <dgm:cxn modelId="{58E246ED-2D81-4AD3-BDB3-29B7AD94CB5A}" type="presParOf" srcId="{55AE699C-4257-4DF3-B12D-0ABDA59A2844}" destId="{4FBE43C9-82B1-4A5F-8374-347D8A6CF660}" srcOrd="9" destOrd="0" presId="urn:microsoft.com/office/officeart/2005/8/layout/cycle1"/>
+    <dgm:cxn modelId="{F2D75F20-34F0-4663-83E1-537619BEA73A}" type="presParOf" srcId="{55AE699C-4257-4DF3-B12D-0ABDA59A2844}" destId="{F291E509-CE2C-4D2C-81AE-5A8881A4BDDD}" srcOrd="10" destOrd="0" presId="urn:microsoft.com/office/officeart/2005/8/layout/cycle1"/>
+    <dgm:cxn modelId="{4D94AC76-0191-4E3C-888A-BB955E9A0894}" type="presParOf" srcId="{55AE699C-4257-4DF3-B12D-0ABDA59A2844}" destId="{BEAF01D9-F070-4F90-8056-548419B5C132}" srcOrd="11" destOrd="0" presId="urn:microsoft.com/office/officeart/2005/8/layout/cycle1"/>
+    <dgm:cxn modelId="{8961B495-50B9-4072-8AC0-B4AF40B1D8E0}" type="presParOf" srcId="{55AE699C-4257-4DF3-B12D-0ABDA59A2844}" destId="{8E5CC123-5775-40ED-A1C2-93E28F80D13F}" srcOrd="12" destOrd="0" presId="urn:microsoft.com/office/officeart/2005/8/layout/cycle1"/>
+    <dgm:cxn modelId="{B778E2EB-2457-4605-A0F6-680251923863}" type="presParOf" srcId="{55AE699C-4257-4DF3-B12D-0ABDA59A2844}" destId="{40AB0446-CEAA-4814-A400-98CDECE30303}" srcOrd="13" destOrd="0" presId="urn:microsoft.com/office/officeart/2005/8/layout/cycle1"/>
+    <dgm:cxn modelId="{E4CDAB64-6B4C-40BB-8AF0-1BB1A9487C09}" type="presParOf" srcId="{55AE699C-4257-4DF3-B12D-0ABDA59A2844}" destId="{6BEDCF32-31D8-4695-BD7C-B5422296756E}" srcOrd="14" destOrd="0" presId="urn:microsoft.com/office/officeart/2005/8/layout/cycle1"/>
+  </dgm:cxnLst>
+  <dgm:bg/>
+  <dgm:whole/>
+</dgm:dataModel>
+</file>
+
+<file path=ppt/diagrams/layout1.xml><?xml version="1.0" encoding="utf-8"?>
+<dgm:layoutDef xmlns:dgm="http://schemas.openxmlformats.org/drawingml/2006/diagram" xmlns:a="http://schemas.openxmlformats.org/drawingml/2006/main" uniqueId="urn:microsoft.com/office/officeart/2005/8/layout/cycle1">
+  <dgm:title val=""/>
+  <dgm:desc val=""/>
+  <dgm:catLst>
+    <dgm:cat type="cycle" pri="2000"/>
+  </dgm:catLst>
+  <dgm:sampData>
+    <dgm:dataModel>
+      <dgm:ptLst>
+        <dgm:pt modelId="0" type="doc"/>
+        <dgm:pt modelId="1">
+          <dgm:prSet phldr="1"/>
+        </dgm:pt>
+        <dgm:pt modelId="2">
+          <dgm:prSet phldr="1"/>
+        </dgm:pt>
+        <dgm:pt modelId="3">
+          <dgm:prSet phldr="1"/>
+        </dgm:pt>
+        <dgm:pt modelId="4">
+          <dgm:prSet phldr="1"/>
+        </dgm:pt>
+        <dgm:pt modelId="5">
+          <dgm:prSet phldr="1"/>
+        </dgm:pt>
+      </dgm:ptLst>
+      <dgm:cxnLst>
+        <dgm:cxn modelId="6" srcId="0" destId="1" srcOrd="0" destOrd="0"/>
+        <dgm:cxn modelId="7" srcId="0" destId="2" srcOrd="1" destOrd="0"/>
+        <dgm:cxn modelId="8" srcId="0" destId="3" srcOrd="2" destOrd="0"/>
+        <dgm:cxn modelId="9" srcId="0" destId="4" srcOrd="3" destOrd="0"/>
+        <dgm:cxn modelId="10" srcId="0" destId="5" srcOrd="4" destOrd="0"/>
+      </dgm:cxnLst>
+      <dgm:bg/>
+      <dgm:whole/>
+    </dgm:dataModel>
+  </dgm:sampData>
+  <dgm:styleData>
+    <dgm:dataModel>
+      <dgm:ptLst>
+        <dgm:pt modelId="0" type="doc"/>
+        <dgm:pt modelId="1"/>
+        <dgm:pt modelId="2"/>
+        <dgm:pt modelId="3"/>
+      </dgm:ptLst>
+      <dgm:cxnLst>
+        <dgm:cxn modelId="4" srcId="0" destId="1" srcOrd="0" destOrd="0"/>
+        <dgm:cxn modelId="5" srcId="0" destId="2" srcOrd="1" destOrd="0"/>
+        <dgm:cxn modelId="6" srcId="0" destId="3" srcOrd="2" destOrd="0"/>
+      </dgm:cxnLst>
+      <dgm:bg/>
+      <dgm:whole/>
+    </dgm:dataModel>
+  </dgm:styleData>
+  <dgm:clrData>
+    <dgm:dataModel>
+      <dgm:ptLst>
+        <dgm:pt modelId="0" type="doc"/>
+        <dgm:pt modelId="1"/>
+        <dgm:pt modelId="2"/>
+        <dgm:pt modelId="3"/>
+        <dgm:pt modelId="4"/>
+        <dgm:pt modelId="5"/>
+        <dgm:pt modelId="6"/>
+      </dgm:ptLst>
+      <dgm:cxnLst>
+        <dgm:cxn modelId="7" srcId="0" destId="1" srcOrd="0" destOrd="0"/>
+        <dgm:cxn modelId="8" srcId="0" destId="2" srcOrd="1" destOrd="0"/>
+        <dgm:cxn modelId="9" srcId="0" destId="3" srcOrd="2" destOrd="0"/>
+        <dgm:cxn modelId="10" srcId="0" destId="4" srcOrd="3" destOrd="0"/>
+        <dgm:cxn modelId="11" srcId="0" destId="5" srcOrd="4" destOrd="0"/>
+        <dgm:cxn modelId="12" srcId="0" destId="6" srcOrd="5" destOrd="0"/>
+      </dgm:cxnLst>
+      <dgm:bg/>
+      <dgm:whole/>
+    </dgm:dataModel>
+  </dgm:clrData>
+  <dgm:layoutNode name="cycle">
+    <dgm:varLst>
+      <dgm:dir/>
+      <dgm:resizeHandles val="exact"/>
+    </dgm:varLst>
+    <dgm:choose name="Name0">
+      <dgm:if name="Name1" func="var" arg="dir" op="equ" val="norm">
+        <dgm:alg type="cycle">
+          <dgm:param type="stAng" val="0"/>
+          <dgm:param type="spanAng" val="360"/>
+        </dgm:alg>
+      </dgm:if>
+      <dgm:else name="Name2">
+        <dgm:alg type="cycle">
+          <dgm:param type="stAng" val="0"/>
+          <dgm:param type="spanAng" val="-360"/>
+        </dgm:alg>
+      </dgm:else>
+    </dgm:choose>
+    <dgm:shape xmlns:r="http://schemas.openxmlformats.org/officeDocument/2006/relationships" r:blip="">
+      <dgm:adjLst/>
+    </dgm:shape>
+    <dgm:presOf/>
+    <dgm:choose name="Name3">
+      <dgm:if name="Name4" func="var" arg="dir" op="equ" val="norm">
+        <dgm:constrLst>
+          <dgm:constr type="diam" val="1"/>
+          <dgm:constr type="w" for="ch" forName="node" refType="w"/>
+          <dgm:constr type="w" for="ch" ptType="sibTrans" refType="w" refFor="ch" refForName="node" fact="0.5"/>
+          <dgm:constr type="h" for="ch" ptType="sibTrans" op="equ"/>
+          <dgm:constr type="diam" for="ch" ptType="sibTrans" refType="diam" op="equ"/>
+          <dgm:constr type="sibSp" refType="w" refFor="ch" refForName="node" fact="0.15"/>
+          <dgm:constr type="w" for="ch" forName="dummy" refType="sibSp" fact="2.8"/>
+          <dgm:constr type="primFontSz" for="ch" forName="node" op="equ" val="65"/>
+        </dgm:constrLst>
+      </dgm:if>
+      <dgm:else name="Name5">
+        <dgm:constrLst>
+          <dgm:constr type="diam" val="1"/>
+          <dgm:constr type="w" for="ch" forName="node" refType="w"/>
+          <dgm:constr type="w" for="ch" ptType="sibTrans" refType="w" refFor="ch" refForName="node" fact="0.5"/>
+          <dgm:constr type="h" for="ch" ptType="sibTrans" op="equ"/>
+          <dgm:constr type="diam" for="ch" ptType="sibTrans" refType="diam" op="equ" fact="-1"/>
+          <dgm:constr type="sibSp" refType="w" refFor="ch" refForName="node" fact="0.15"/>
+          <dgm:constr type="w" for="ch" forName="dummy" refType="sibSp" fact="2.8"/>
+          <dgm:constr type="primFontSz" for="ch" forName="node" op="equ" val="65"/>
+        </dgm:constrLst>
+      </dgm:else>
+    </dgm:choose>
+    <dgm:ruleLst>
+      <dgm:rule type="diam" val="INF" fact="NaN" max="NaN"/>
+    </dgm:ruleLst>
+    <dgm:forEach name="nodesForEach" axis="ch" ptType="node">
+      <dgm:choose name="Name6">
+        <dgm:if name="Name7" axis="par ch" ptType="doc node" func="cnt" op="gt" val="1">
+          <dgm:layoutNode name="dummy">
+            <dgm:alg type="sp"/>
+            <dgm:shape xmlns:r="http://schemas.openxmlformats.org/officeDocument/2006/relationships" r:blip="">
+              <dgm:adjLst/>
+            </dgm:shape>
+            <dgm:presOf/>
+            <dgm:constrLst>
+              <dgm:constr type="h" refType="w"/>
+            </dgm:constrLst>
+            <dgm:ruleLst/>
+          </dgm:layoutNode>
+        </dgm:if>
+        <dgm:else name="Name8"/>
+      </dgm:choose>
+      <dgm:layoutNode name="node" styleLbl="revTx">
+        <dgm:varLst>
+          <dgm:bulletEnabled val="1"/>
+        </dgm:varLst>
+        <dgm:alg type="tx">
+          <dgm:param type="txAnchorVertCh" val="mid"/>
+        </dgm:alg>
+        <dgm:shape xmlns:r="http://schemas.openxmlformats.org/officeDocument/2006/relationships" type="rect" r:blip="">
+          <dgm:adjLst/>
+        </dgm:shape>
+        <dgm:presOf axis="desOrSelf" ptType="node"/>
+        <dgm:constrLst>
+          <dgm:constr type="h" refType="w"/>
+          <dgm:constr type="lMarg" refType="primFontSz" fact="0.1"/>
+          <dgm:constr type="rMarg" refType="primFontSz" fact="0.1"/>
+          <dgm:constr type="tMarg" refType="primFontSz" fact="0.1"/>
+          <dgm:constr type="bMarg" refType="primFontSz" fact="0.1"/>
+        </dgm:constrLst>
+        <dgm:ruleLst>
+          <dgm:rule type="primFontSz" val="5" fact="NaN" max="NaN"/>
+        </dgm:ruleLst>
+      </dgm:layoutNode>
+      <dgm:choose name="Name9">
+        <dgm:if name="Name10" axis="par ch" ptType="doc node" func="cnt" op="gt" val="1">
+          <dgm:forEach name="Name11" axis="followSib" ptType="sibTrans" hideLastTrans="0" cnt="1">
+            <dgm:layoutNode name="sibTrans" styleLbl="node1">
+              <dgm:alg type="conn">
+                <dgm:param type="connRout" val="curve"/>
+                <dgm:param type="begPts" val="radial"/>
+                <dgm:param type="endPts" val="radial"/>
+              </dgm:alg>
+              <dgm:shape xmlns:r="http://schemas.openxmlformats.org/officeDocument/2006/relationships" type="conn" r:blip="">
+                <dgm:adjLst/>
+              </dgm:shape>
+              <dgm:presOf axis="self"/>
+              <dgm:constrLst>
+                <dgm:constr type="h" refType="w" fact="0.65"/>
+                <dgm:constr type="begPad"/>
+                <dgm:constr type="endPad"/>
+              </dgm:constrLst>
+              <dgm:ruleLst/>
+            </dgm:layoutNode>
+          </dgm:forEach>
+        </dgm:if>
+        <dgm:else name="Name12"/>
+      </dgm:choose>
+    </dgm:forEach>
+  </dgm:layoutNode>
+</dgm:layoutDef>
+</file>
+
+<file path=ppt/diagrams/quickStyle1.xml><?xml version="1.0" encoding="utf-8"?>
+<dgm:styleDef xmlns:dgm="http://schemas.openxmlformats.org/drawingml/2006/diagram" xmlns:a="http://schemas.openxmlformats.org/drawingml/2006/main" uniqueId="urn:microsoft.com/office/officeart/2005/8/quickstyle/simple1">
+  <dgm:title val=""/>
+  <dgm:desc val=""/>
+  <dgm:catLst>
+    <dgm:cat type="simple" pri="10100"/>
+  </dgm:catLst>
+  <dgm:scene3d>
+    <a:camera prst="orthographicFront"/>
+    <a:lightRig rig="threePt" dir="t"/>
+  </dgm:scene3d>
+  <dgm:styleLbl name="node0">
+    <dgm:scene3d>
+      <a:camera prst="orthographicFront"/>
+      <a:lightRig rig="threePt" dir="t"/>
+    </dgm:scene3d>
+    <dgm:sp3d/>
+    <dgm:txPr/>
+    <dgm:style>
+      <a:lnRef idx="2">
+        <a:scrgbClr r="0" g="0" b="0"/>
+      </a:lnRef>
+      <a:fillRef idx="1">
+        <a:scrgbClr r="0" g="0" b="0"/>
+      </a:fillRef>
+      <a:effectRef idx="0">
+        <a:scrgbClr r="0" g="0" b="0"/>
+      </a:effectRef>
+      <a:fontRef idx="minor">
+        <a:schemeClr val="lt1"/>
+      </a:fontRef>
+    </dgm:style>
+  </dgm:styleLbl>
+  <dgm:styleLbl name="lnNode1">
+    <dgm:scene3d>
+      <a:camera prst="orthographicFront"/>
+      <a:lightRig rig="threePt" dir="t"/>
+    </dgm:scene3d>
+    <dgm:sp3d/>
+    <dgm:txPr/>
+    <dgm:style>
+      <a:lnRef idx="2">
+        <a:scrgbClr r="0" g="0" b="0"/>
+      </a:lnRef>
+      <a:fillRef idx="1">
+        <a:scrgbClr r="0" g="0" b="0"/>
+      </a:fillRef>
+      <a:effectRef idx="0">
+        <a:scrgbClr r="0" g="0" b="0"/>
+      </a:effectRef>
+      <a:fontRef idx="minor">
+        <a:schemeClr val="lt1"/>
+      </a:fontRef>
+    </dgm:style>
+  </dgm:styleLbl>
+  <dgm:styleLbl name="vennNode1">
+    <dgm:scene3d>
+      <a:camera prst="orthographicFront"/>
+      <a:lightRig rig="threePt" dir="t"/>
+    </dgm:scene3d>
+    <dgm:sp3d/>
+    <dgm:txPr/>
+    <dgm:style>
+      <a:lnRef idx="2">
+        <a:scrgbClr r="0" g="0" b="0"/>
+      </a:lnRef>
+      <a:fillRef idx="1">
+        <a:scrgbClr r="0" g="0" b="0"/>
+      </a:fillRef>
+      <a:effectRef idx="0">
+        <a:scrgbClr r="0" g="0" b="0"/>
+      </a:effectRef>
+      <a:fontRef idx="minor">
+        <a:schemeClr val="tx1"/>
+      </a:fontRef>
+    </dgm:style>
+  </dgm:styleLbl>
+  <dgm:styleLbl name="alignNode1">
+    <dgm:scene3d>
+      <a:camera prst="orthographicFront"/>
+      <a:lightRig rig="threePt" dir="t"/>
+    </dgm:scene3d>
+    <dgm:sp3d/>
+    <dgm:txPr/>
+    <dgm:style>
+      <a:lnRef idx="2">
+        <a:scrgbClr r="0" g="0" b="0"/>
+      </a:lnRef>
+      <a:fillRef idx="1">
+        <a:scrgbClr r="0" g="0" b="0"/>
+      </a:fillRef>
+      <a:effectRef idx="0">
+        <a:scrgbClr r="0" g="0" b="0"/>
+      </a:effectRef>
+      <a:fontRef idx="minor">
+        <a:schemeClr val="lt1"/>
+      </a:fontRef>
+    </dgm:style>
+  </dgm:styleLbl>
+  <dgm:styleLbl name="node1">
+    <dgm:scene3d>
+      <a:camera prst="orthographicFront"/>
+      <a:lightRig rig="threePt" dir="t"/>
+    </dgm:scene3d>
+    <dgm:sp3d/>
+    <dgm:txPr/>
+    <dgm:style>
+      <a:lnRef idx="2">
+        <a:scrgbClr r="0" g="0" b="0"/>
+      </a:lnRef>
+      <a:fillRef idx="1">
+        <a:scrgbClr r="0" g="0" b="0"/>
+      </a:fillRef>
+      <a:effectRef idx="0">
+        <a:scrgbClr r="0" g="0" b="0"/>
+      </a:effectRef>
+      <a:fontRef idx="minor">
+        <a:schemeClr val="lt1"/>
+      </a:fontRef>
+    </dgm:style>
+  </dgm:styleLbl>
+  <dgm:styleLbl name="node2">
+    <dgm:scene3d>
+      <a:camera prst="orthographicFront"/>
+      <a:lightRig rig="threePt" dir="t"/>
+    </dgm:scene3d>
+    <dgm:sp3d/>
+    <dgm:txPr/>
+    <dgm:style>
+      <a:lnRef idx="2">
+        <a:scrgbClr r="0" g="0" b="0"/>
+      </a:lnRef>
+      <a:fillRef idx="1">
+        <a:scrgbClr r="0" g="0" b="0"/>
+      </a:fillRef>
+      <a:effectRef idx="0">
+        <a:scrgbClr r="0" g="0" b="0"/>
+      </a:effectRef>
+      <a:fontRef idx="minor">
+        <a:schemeClr val="lt1"/>
+      </a:fontRef>
+    </dgm:style>
+  </dgm:styleLbl>
+  <dgm:styleLbl name="node3">
+    <dgm:scene3d>
+      <a:camera prst="orthographicFront"/>
+      <a:lightRig rig="threePt" dir="t"/>
+    </dgm:scene3d>
+    <dgm:sp3d/>
+    <dgm:txPr/>
+    <dgm:style>
+      <a:lnRef idx="2">
+        <a:scrgbClr r="0" g="0" b="0"/>
+      </a:lnRef>
+      <a:fillRef idx="1">
+        <a:scrgbClr r="0" g="0" b="0"/>
+      </a:fillRef>
+      <a:effectRef idx="0">
+        <a:scrgbClr r="0" g="0" b="0"/>
+      </a:effectRef>
+      <a:fontRef idx="minor">
+        <a:schemeClr val="lt1"/>
+      </a:fontRef>
+    </dgm:style>
+  </dgm:styleLbl>
+  <dgm:styleLbl name="node4">
+    <dgm:scene3d>
+      <a:camera prst="orthographicFront"/>
+      <a:lightRig rig="threePt" dir="t"/>
+    </dgm:scene3d>
+    <dgm:sp3d/>
+    <dgm:txPr/>
+    <dgm:style>
+      <a:lnRef idx="2">
+        <a:scrgbClr r="0" g="0" b="0"/>
+      </a:lnRef>
+      <a:fillRef idx="1">
+        <a:scrgbClr r="0" g="0" b="0"/>
+      </a:fillRef>
+      <a:effectRef idx="0">
+        <a:scrgbClr r="0" g="0" b="0"/>
+      </a:effectRef>
+      <a:fontRef idx="minor">
+        <a:schemeClr val="lt1"/>
+      </a:fontRef>
+    </dgm:style>
+  </dgm:styleLbl>
+  <dgm:styleLbl name="fgImgPlace1">
+    <dgm:scene3d>
+      <a:camera prst="orthographicFront"/>
+      <a:lightRig rig="threePt" dir="t"/>
+    </dgm:scene3d>
+    <dgm:sp3d/>
+    <dgm:txPr/>
+    <dgm:style>
+      <a:lnRef idx="2">
+        <a:scrgbClr r="0" g="0" b="0"/>
+      </a:lnRef>
+      <a:fillRef idx="1">
+        <a:scrgbClr r="0" g="0" b="0"/>
+      </a:fillRef>
+      <a:effectRef idx="0">
+        <a:scrgbClr r="0" g="0" b="0"/>
+      </a:effectRef>
+      <a:fontRef idx="minor"/>
+    </dgm:style>
+  </dgm:styleLbl>
+  <dgm:styleLbl name="alignImgPlace1">
+    <dgm:scene3d>
+      <a:camera prst="orthographicFront"/>
+      <a:lightRig rig="threePt" dir="t"/>
+    </dgm:scene3d>
+    <dgm:sp3d/>
+    <dgm:txPr/>
+    <dgm:style>
+      <a:lnRef idx="2">
+        <a:scrgbClr r="0" g="0" b="0"/>
+      </a:lnRef>
+      <a:fillRef idx="1">
+        <a:scrgbClr r="0" g="0" b="0"/>
+      </a:fillRef>
+      <a:effectRef idx="0">
+        <a:scrgbClr r="0" g="0" b="0"/>
+      </a:effectRef>
+      <a:fontRef idx="minor"/>
+    </dgm:style>
+  </dgm:styleLbl>
+  <dgm:styleLbl name="bgImgPlace1">
+    <dgm:scene3d>
+      <a:camera prst="orthographicFront"/>
+      <a:lightRig rig="threePt" dir="t"/>
+    </dgm:scene3d>
+    <dgm:sp3d/>
+    <dgm:txPr/>
+    <dgm:style>
+      <a:lnRef idx="2">
+        <a:scrgbClr r="0" g="0" b="0"/>
+      </a:lnRef>
+      <a:fillRef idx="1">
+        <a:scrgbClr r="0" g="0" b="0"/>
+      </a:fillRef>
+      <a:effectRef idx="0">
+        <a:scrgbClr r="0" g="0" b="0"/>
+      </a:effectRef>
+      <a:fontRef idx="minor"/>
+    </dgm:style>
+  </dgm:styleLbl>
+  <dgm:styleLbl name="sibTrans2D1">
+    <dgm:scene3d>
+      <a:camera prst="orthographicFront"/>
+      <a:lightRig rig="threePt" dir="t"/>
+    </dgm:scene3d>
+    <dgm:sp3d/>
+    <dgm:txPr/>
+    <dgm:style>
+      <a:lnRef idx="0">
+        <a:scrgbClr r="0" g="0" b="0"/>
+      </a:lnRef>
+      <a:fillRef idx="1">
+        <a:scrgbClr r="0" g="0" b="0"/>
+      </a:fillRef>
+      <a:effectRef idx="0">
+        <a:scrgbClr r="0" g="0" b="0"/>
+      </a:effectRef>
+      <a:fontRef idx="minor">
+        <a:schemeClr val="lt1"/>
+      </a:fontRef>
+    </dgm:style>
+  </dgm:styleLbl>
+  <dgm:styleLbl name="fgSibTrans2D1">
+    <dgm:scene3d>
+      <a:camera prst="orthographicFront"/>
+      <a:lightRig rig="threePt" dir="t"/>
+    </dgm:scene3d>
+    <dgm:sp3d/>
+    <dgm:txPr/>
+    <dgm:style>
+      <a:lnRef idx="0">
+        <a:scrgbClr r="0" g="0" b="0"/>
+      </a:lnRef>
+      <a:fillRef idx="1">
+        <a:scrgbClr r="0" g="0" b="0"/>
+      </a:fillRef>
+      <a:effectRef idx="0">
+        <a:scrgbClr r="0" g="0" b="0"/>
+      </a:effectRef>
+      <a:fontRef idx="minor">
+        <a:schemeClr val="lt1"/>
+      </a:fontRef>
+    </dgm:style>
+  </dgm:styleLbl>
+  <dgm:styleLbl name="bgSibTrans2D1">
+    <dgm:scene3d>
+      <a:camera prst="orthographicFront"/>
+      <a:lightRig rig="threePt" dir="t"/>
+    </dgm:scene3d>
+    <dgm:sp3d/>
+    <dgm:txPr/>
+    <dgm:style>
+      <a:lnRef idx="0">
+        <a:scrgbClr r="0" g="0" b="0"/>
+      </a:lnRef>
+      <a:fillRef idx="1">
+        <a:scrgbClr r="0" g="0" b="0"/>
+      </a:fillRef>
+      <a:effectRef idx="0">
+        <a:scrgbClr r="0" g="0" b="0"/>
+      </a:effectRef>
+      <a:fontRef idx="minor">
+        <a:schemeClr val="lt1"/>
+      </a:fontRef>
+    </dgm:style>
+  </dgm:styleLbl>
+  <dgm:styleLbl name="sibTrans1D1">
+    <dgm:scene3d>
+      <a:camera prst="orthographicFront"/>
+      <a:lightRig rig="threePt" dir="t"/>
+    </dgm:scene3d>
+    <dgm:sp3d/>
+    <dgm:txPr/>
+    <dgm:style>
+      <a:lnRef idx="1">
+        <a:scrgbClr r="0" g="0" b="0"/>
+      </a:lnRef>
+      <a:fillRef idx="0">
+        <a:scrgbClr r="0" g="0" b="0"/>
+      </a:fillRef>
+      <a:effectRef idx="0">
+        <a:scrgbClr r="0" g="0" b="0"/>
+      </a:effectRef>
+      <a:fontRef idx="minor"/>
+    </dgm:style>
+  </dgm:styleLbl>
+  <dgm:styleLbl name="callout">
+    <dgm:scene3d>
+      <a:camera prst="orthographicFront"/>
+      <a:lightRig rig="threePt" dir="t"/>
+    </dgm:scene3d>
+    <dgm:sp3d/>
+    <dgm:txPr/>
+    <dgm:style>
+      <a:lnRef idx="2">
+        <a:scrgbClr r="0" g="0" b="0"/>
+      </a:lnRef>
+      <a:fillRef idx="1">
+        <a:scrgbClr r="0" g="0" b="0"/>
+      </a:fillRef>
+      <a:effectRef idx="0">
+        <a:scrgbClr r="0" g="0" b="0"/>
+      </a:effectRef>
+      <a:fontRef idx="minor"/>
+    </dgm:style>
+  </dgm:styleLbl>
+  <dgm:styleLbl name="asst0">
+    <dgm:scene3d>
+      <a:camera prst="orthographicFront"/>
+      <a:lightRig rig="threePt" dir="t"/>
+    </dgm:scene3d>
+    <dgm:sp3d/>
+    <dgm:txPr/>
+    <dgm:style>
+      <a:lnRef idx="2">
+        <a:scrgbClr r="0" g="0" b="0"/>
+      </a:lnRef>
+      <a:fillRef idx="1">
+        <a:scrgbClr r="0" g="0" b="0"/>
+      </a:fillRef>
+      <a:effectRef idx="0">
+        <a:scrgbClr r="0" g="0" b="0"/>
+      </a:effectRef>
+      <a:fontRef idx="minor">
+        <a:schemeClr val="lt1"/>
+      </a:fontRef>
+    </dgm:style>
+  </dgm:styleLbl>
+  <dgm:styleLbl name="asst1">
+    <dgm:scene3d>
+      <a:camera prst="orthographicFront"/>
+      <a:lightRig rig="threePt" dir="t"/>
+    </dgm:scene3d>
+    <dgm:sp3d/>
+    <dgm:txPr/>
+    <dgm:style>
+      <a:lnRef idx="2">
+        <a:scrgbClr r="0" g="0" b="0"/>
+      </a:lnRef>
+      <a:fillRef idx="1">
+        <a:scrgbClr r="0" g="0" b="0"/>
+      </a:fillRef>
+      <a:effectRef idx="0">
+        <a:scrgbClr r="0" g="0" b="0"/>
+      </a:effectRef>
+      <a:fontRef idx="minor">
+        <a:schemeClr val="lt1"/>
+      </a:fontRef>
+    </dgm:style>
+  </dgm:styleLbl>
+  <dgm:styleLbl name="asst2">
+    <dgm:scene3d>
+      <a:camera prst="orthographicFront"/>
+      <a:lightRig rig="threePt" dir="t"/>
+    </dgm:scene3d>
+    <dgm:sp3d/>
+    <dgm:txPr/>
+    <dgm:style>
+      <a:lnRef idx="2">
+        <a:scrgbClr r="0" g="0" b="0"/>
+      </a:lnRef>
+      <a:fillRef idx="1">
+        <a:scrgbClr r="0" g="0" b="0"/>
+      </a:fillRef>
+      <a:effectRef idx="0">
+        <a:scrgbClr r="0" g="0" b="0"/>
+      </a:effectRef>
+      <a:fontRef idx="minor">
+        <a:schemeClr val="lt1"/>
+      </a:fontRef>
+    </dgm:style>
+  </dgm:styleLbl>
+  <dgm:styleLbl name="asst3">
+    <dgm:scene3d>
+      <a:camera prst="orthographicFront"/>
+      <a:lightRig rig="threePt" dir="t"/>
+    </dgm:scene3d>
+    <dgm:sp3d/>
+    <dgm:txPr/>
+    <dgm:style>
+      <a:lnRef idx="2">
+        <a:scrgbClr r="0" g="0" b="0"/>
+      </a:lnRef>
+      <a:fillRef idx="1">
+        <a:scrgbClr r="0" g="0" b="0"/>
+      </a:fillRef>
+      <a:effectRef idx="0">
+        <a:scrgbClr r="0" g="0" b="0"/>
+      </a:effectRef>
+      <a:fontRef idx="minor">
+        <a:schemeClr val="lt1"/>
+      </a:fontRef>
+    </dgm:style>
+  </dgm:styleLbl>
+  <dgm:styleLbl name="asst4">
+    <dgm:scene3d>
+      <a:camera prst="orthographicFront"/>
+      <a:lightRig rig="threePt" dir="t"/>
+    </dgm:scene3d>
+    <dgm:sp3d/>
+    <dgm:txPr/>
+    <dgm:style>
+      <a:lnRef idx="2">
+        <a:scrgbClr r="0" g="0" b="0"/>
+      </a:lnRef>
+      <a:fillRef idx="1">
+        <a:scrgbClr r="0" g="0" b="0"/>
+      </a:fillRef>
+      <a:effectRef idx="0">
+        <a:scrgbClr r="0" g="0" b="0"/>
+      </a:effectRef>
+      <a:fontRef idx="minor">
+        <a:schemeClr val="lt1"/>
+      </a:fontRef>
+    </dgm:style>
+  </dgm:styleLbl>
+  <dgm:styleLbl name="parChTrans2D1">
+    <dgm:scene3d>
+      <a:camera prst="orthographicFront"/>
+      <a:lightRig rig="threePt" dir="t"/>
+    </dgm:scene3d>
+    <dgm:sp3d/>
+    <dgm:txPr/>
+    <dgm:style>
+      <a:lnRef idx="2">
+        <a:scrgbClr r="0" g="0" b="0"/>
+      </a:lnRef>
+      <a:fillRef idx="1">
+        <a:scrgbClr r="0" g="0" b="0"/>
+      </a:fillRef>
+      <a:effectRef idx="0">
+        <a:scrgbClr r="0" g="0" b="0"/>
+      </a:effectRef>
+      <a:fontRef idx="minor">
+        <a:schemeClr val="lt1"/>
+      </a:fontRef>
+    </dgm:style>
+  </dgm:styleLbl>
+  <dgm:styleLbl name="parChTrans2D2">
+    <dgm:scene3d>
+      <a:camera prst="orthographicFront"/>
+      <a:lightRig rig="threePt" dir="t"/>
+    </dgm:scene3d>
+    <dgm:sp3d/>
+    <dgm:txPr/>
+    <dgm:style>
+      <a:lnRef idx="2">
+        <a:scrgbClr r="0" g="0" b="0"/>
+      </a:lnRef>
+      <a:fillRef idx="1">
+        <a:scrgbClr r="0" g="0" b="0"/>
+      </a:fillRef>
+      <a:effectRef idx="0">
+        <a:scrgbClr r="0" g="0" b="0"/>
+      </a:effectRef>
+      <a:fontRef idx="minor">
+        <a:schemeClr val="lt1"/>
+      </a:fontRef>
+    </dgm:style>
+  </dgm:styleLbl>
+  <dgm:styleLbl name="parChTrans2D3">
+    <dgm:scene3d>
+      <a:camera prst="orthographicFront"/>
+      <a:lightRig rig="threePt" dir="t"/>
+    </dgm:scene3d>
+    <dgm:sp3d/>
+    <dgm:txPr/>
+    <dgm:style>
+      <a:lnRef idx="2">
+        <a:scrgbClr r="0" g="0" b="0"/>
+      </a:lnRef>
+      <a:fillRef idx="1">
+        <a:scrgbClr r="0" g="0" b="0"/>
+      </a:fillRef>
+      <a:effectRef idx="0">
+        <a:scrgbClr r="0" g="0" b="0"/>
+      </a:effectRef>
+      <a:fontRef idx="minor">
+        <a:schemeClr val="lt1"/>
+      </a:fontRef>
+    </dgm:style>
+  </dgm:styleLbl>
+  <dgm:styleLbl name="parChTrans2D4">
+    <dgm:scene3d>
+      <a:camera prst="orthographicFront"/>
+      <a:lightRig rig="threePt" dir="t"/>
+    </dgm:scene3d>
+    <dgm:sp3d/>
+    <dgm:txPr/>
+    <dgm:style>
+      <a:lnRef idx="2">
+        <a:scrgbClr r="0" g="0" b="0"/>
+      </a:lnRef>
+      <a:fillRef idx="1">
+        <a:scrgbClr r="0" g="0" b="0"/>
+      </a:fillRef>
+      <a:effectRef idx="0">
+        <a:scrgbClr r="0" g="0" b="0"/>
+      </a:effectRef>
+      <a:fontRef idx="minor">
+        <a:schemeClr val="lt1"/>
+      </a:fontRef>
+    </dgm:style>
+  </dgm:styleLbl>
+  <dgm:styleLbl name="parChTrans1D1">
+    <dgm:scene3d>
+      <a:camera prst="orthographicFront"/>
+      <a:lightRig rig="threePt" dir="t"/>
+    </dgm:scene3d>
+    <dgm:sp3d/>
+    <dgm:txPr/>
+    <dgm:style>
+      <a:lnRef idx="2">
+        <a:scrgbClr r="0" g="0" b="0"/>
+      </a:lnRef>
+      <a:fillRef idx="0">
+        <a:scrgbClr r="0" g="0" b="0"/>
+      </a:fillRef>
+      <a:effectRef idx="0">
+        <a:scrgbClr r="0" g="0" b="0"/>
+      </a:effectRef>
+      <a:fontRef idx="minor"/>
+    </dgm:style>
+  </dgm:styleLbl>
+  <dgm:styleLbl name="parChTrans1D2">
+    <dgm:scene3d>
+      <a:camera prst="orthographicFront"/>
+      <a:lightRig rig="threePt" dir="t"/>
+    </dgm:scene3d>
+    <dgm:sp3d/>
+    <dgm:txPr/>
+    <dgm:style>
+      <a:lnRef idx="2">
+        <a:scrgbClr r="0" g="0" b="0"/>
+      </a:lnRef>
+      <a:fillRef idx="0">
+        <a:scrgbClr r="0" g="0" b="0"/>
+      </a:fillRef>
+      <a:effectRef idx="0">
+        <a:scrgbClr r="0" g="0" b="0"/>
+      </a:effectRef>
+      <a:fontRef idx="minor"/>
+    </dgm:style>
+  </dgm:styleLbl>
+  <dgm:styleLbl name="parChTrans1D3">
+    <dgm:scene3d>
+      <a:camera prst="orthographicFront"/>
+      <a:lightRig rig="threePt" dir="t"/>
+    </dgm:scene3d>
+    <dgm:sp3d/>
+    <dgm:txPr/>
+    <dgm:style>
+      <a:lnRef idx="2">
+        <a:scrgbClr r="0" g="0" b="0"/>
+      </a:lnRef>
+      <a:fillRef idx="0">
+        <a:scrgbClr r="0" g="0" b="0"/>
+      </a:fillRef>
+      <a:effectRef idx="0">
+        <a:scrgbClr r="0" g="0" b="0"/>
+      </a:effectRef>
+      <a:fontRef idx="minor"/>
+    </dgm:style>
+  </dgm:styleLbl>
+  <dgm:styleLbl name="parChTrans1D4">
+    <dgm:scene3d>
+      <a:camera prst="orthographicFront"/>
+      <a:lightRig rig="threePt" dir="t"/>
+    </dgm:scene3d>
+    <dgm:sp3d/>
+    <dgm:txPr/>
+    <dgm:style>
+      <a:lnRef idx="2">
+        <a:scrgbClr r="0" g="0" b="0"/>
+      </a:lnRef>
+      <a:fillRef idx="0">
+        <a:scrgbClr r="0" g="0" b="0"/>
+      </a:fillRef>
+      <a:effectRef idx="0">
+        <a:scrgbClr r="0" g="0" b="0"/>
+      </a:effectRef>
+      <a:fontRef idx="minor"/>
+    </dgm:style>
+  </dgm:styleLbl>
+  <dgm:styleLbl name="fgAcc1">
+    <dgm:scene3d>
+      <a:camera prst="orthographicFront"/>
+      <a:lightRig rig="threePt" dir="t"/>
+    </dgm:scene3d>
+    <dgm:sp3d/>
+    <dgm:txPr/>
+    <dgm:style>
+      <a:lnRef idx="2">
+        <a:scrgbClr r="0" g="0" b="0"/>
+      </a:lnRef>
+      <a:fillRef idx="1">
+        <a:scrgbClr r="0" g="0" b="0"/>
+      </a:fillRef>
+      <a:effectRef idx="0">
+        <a:scrgbClr r="0" g="0" b="0"/>
+      </a:effectRef>
+      <a:fontRef idx="minor"/>
+    </dgm:style>
+  </dgm:styleLbl>
+  <dgm:styleLbl name="conFgAcc1">
+    <dgm:scene3d>
+      <a:camera prst="orthographicFront"/>
+      <a:lightRig rig="threePt" dir="t"/>
+    </dgm:scene3d>
+    <dgm:sp3d/>
+    <dgm:txPr/>
+    <dgm:style>
+      <a:lnRef idx="2">
+        <a:scrgbClr r="0" g="0" b="0"/>
+      </a:lnRef>
+      <a:fillRef idx="1">
+        <a:scrgbClr r="0" g="0" b="0"/>
+      </a:fillRef>
+      <a:effectRef idx="0">
+        <a:scrgbClr r="0" g="0" b="0"/>
+      </a:effectRef>
+      <a:fontRef idx="minor"/>
+    </dgm:style>
+  </dgm:styleLbl>
+  <dgm:styleLbl name="alignAcc1">
+    <dgm:scene3d>
+      <a:camera prst="orthographicFront"/>
+      <a:lightRig rig="threePt" dir="t"/>
+    </dgm:scene3d>
+    <dgm:sp3d/>
+    <dgm:txPr/>
+    <dgm:style>
+      <a:lnRef idx="2">
+        <a:scrgbClr r="0" g="0" b="0"/>
+      </a:lnRef>
+      <a:fillRef idx="1">
+        <a:scrgbClr r="0" g="0" b="0"/>
+      </a:fillRef>
+      <a:effectRef idx="0">
+        <a:scrgbClr r="0" g="0" b="0"/>
+      </a:effectRef>
+      <a:fontRef idx="minor"/>
+    </dgm:style>
+  </dgm:styleLbl>
+  <dgm:styleLbl name="trAlignAcc1">
+    <dgm:scene3d>
+      <a:camera prst="orthographicFront"/>
+      <a:lightRig rig="threePt" dir="t"/>
+    </dgm:scene3d>
+    <dgm:sp3d/>
+    <dgm:txPr/>
+    <dgm:style>
+      <a:lnRef idx="1">
+        <a:scrgbClr r="0" g="0" b="0"/>
+      </a:lnRef>
+      <a:fillRef idx="1">
+        <a:scrgbClr r="0" g="0" b="0"/>
+      </a:fillRef>
+      <a:effectRef idx="0">
+        <a:scrgbClr r="0" g="0" b="0"/>
+      </a:effectRef>
+      <a:fontRef idx="minor"/>
+    </dgm:style>
+  </dgm:styleLbl>
+  <dgm:styleLbl name="bgAcc1">
+    <dgm:scene3d>
+      <a:camera prst="orthographicFront"/>
+      <a:lightRig rig="threePt" dir="t"/>
+    </dgm:scene3d>
+    <dgm:sp3d/>
+    <dgm:txPr/>
+    <dgm:style>
+      <a:lnRef idx="2">
+        <a:scrgbClr r="0" g="0" b="0"/>
+      </a:lnRef>
+      <a:fillRef idx="1">
+        <a:scrgbClr r="0" g="0" b="0"/>
+      </a:fillRef>
+      <a:effectRef idx="0">
+        <a:scrgbClr r="0" g="0" b="0"/>
+      </a:effectRef>
+      <a:fontRef idx="minor"/>
+    </dgm:style>
+  </dgm:styleLbl>
+  <dgm:styleLbl name="solidFgAcc1">
+    <dgm:scene3d>
+      <a:camera prst="orthographicFront"/>
+      <a:lightRig rig="threePt" dir="t"/>
+    </dgm:scene3d>
+    <dgm:sp3d/>
+    <dgm:txPr/>
+    <dgm:style>
+      <a:lnRef idx="2">
+        <a:scrgbClr r="0" g="0" b="0"/>
+      </a:lnRef>
+      <a:fillRef idx="1">
+        <a:scrgbClr r="0" g="0" b="0"/>
+      </a:fillRef>
+      <a:effectRef idx="0">
+        <a:scrgbClr r="0" g="0" b="0"/>
+      </a:effectRef>
+      <a:fontRef idx="minor"/>
+    </dgm:style>
+  </dgm:styleLbl>
+  <dgm:styleLbl name="solidAlignAcc1">
+    <dgm:scene3d>
+      <a:camera prst="orthographicFront"/>
+      <a:lightRig rig="threePt" dir="t"/>
+    </dgm:scene3d>
+    <dgm:sp3d/>
+    <dgm:txPr/>
+    <dgm:style>
+      <a:lnRef idx="2">
+        <a:scrgbClr r="0" g="0" b="0"/>
+      </a:lnRef>
+      <a:fillRef idx="1">
+        <a:scrgbClr r="0" g="0" b="0"/>
+      </a:fillRef>
+      <a:effectRef idx="0">
+        <a:scrgbClr r="0" g="0" b="0"/>
+      </a:effectRef>
+      <a:fontRef idx="minor"/>
+    </dgm:style>
+  </dgm:styleLbl>
+  <dgm:styleLbl name="solidBgAcc1">
+    <dgm:scene3d>
+      <a:camera prst="orthographicFront"/>
+      <a:lightRig rig="threePt" dir="t"/>
+    </dgm:scene3d>
+    <dgm:sp3d/>
+    <dgm:txPr/>
+    <dgm:style>
+      <a:lnRef idx="2">
+        <a:scrgbClr r="0" g="0" b="0"/>
+      </a:lnRef>
+      <a:fillRef idx="1">
+        <a:scrgbClr r="0" g="0" b="0"/>
+      </a:fillRef>
+      <a:effectRef idx="0">
+        <a:scrgbClr r="0" g="0" b="0"/>
+      </a:effectRef>
+      <a:fontRef idx="minor"/>
+    </dgm:style>
+  </dgm:styleLbl>
+  <dgm:styleLbl name="fgAccFollowNode1">
+    <dgm:scene3d>
+      <a:camera prst="orthographicFront"/>
+      <a:lightRig rig="threePt" dir="t"/>
+    </dgm:scene3d>
+    <dgm:sp3d/>
+    <dgm:txPr/>
+    <dgm:style>
+      <a:lnRef idx="2">
+        <a:scrgbClr r="0" g="0" b="0"/>
+      </a:lnRef>
+      <a:fillRef idx="1">
+        <a:scrgbClr r="0" g="0" b="0"/>
+      </a:fillRef>
+      <a:effectRef idx="0">
+        <a:scrgbClr r="0" g="0" b="0"/>
+      </a:effectRef>
+      <a:fontRef idx="minor"/>
+    </dgm:style>
+  </dgm:styleLbl>
+  <dgm:styleLbl name="alignAccFollowNode1">
+    <dgm:scene3d>
+      <a:camera prst="orthographicFront"/>
+      <a:lightRig rig="threePt" dir="t"/>
+    </dgm:scene3d>
+    <dgm:sp3d/>
+    <dgm:txPr/>
+    <dgm:style>
+      <a:lnRef idx="2">
+        <a:scrgbClr r="0" g="0" b="0"/>
+      </a:lnRef>
+      <a:fillRef idx="1">
+        <a:scrgbClr r="0" g="0" b="0"/>
+      </a:fillRef>
+      <a:effectRef idx="0">
+        <a:scrgbClr r="0" g="0" b="0"/>
+      </a:effectRef>
+      <a:fontRef idx="minor"/>
+    </dgm:style>
+  </dgm:styleLbl>
+  <dgm:styleLbl name="bgAccFollowNode1">
+    <dgm:scene3d>
+      <a:camera prst="orthographicFront"/>
+      <a:lightRig rig="threePt" dir="t"/>
+    </dgm:scene3d>
+    <dgm:sp3d/>
+    <dgm:txPr/>
+    <dgm:style>
+      <a:lnRef idx="2">
+        <a:scrgbClr r="0" g="0" b="0"/>
+      </a:lnRef>
+      <a:fillRef idx="1">
+        <a:scrgbClr r="0" g="0" b="0"/>
+      </a:fillRef>
+      <a:effectRef idx="0">
+        <a:scrgbClr r="0" g="0" b="0"/>
+      </a:effectRef>
+      <a:fontRef idx="minor"/>
+    </dgm:style>
+  </dgm:styleLbl>
+  <dgm:styleLbl name="fgAcc0">
+    <dgm:scene3d>
+      <a:camera prst="orthographicFront"/>
+      <a:lightRig rig="threePt" dir="t"/>
+    </dgm:scene3d>
+    <dgm:sp3d/>
+    <dgm:txPr/>
+    <dgm:style>
+      <a:lnRef idx="2">
+        <a:scrgbClr r="0" g="0" b="0"/>
+      </a:lnRef>
+      <a:fillRef idx="1">
+        <a:scrgbClr r="0" g="0" b="0"/>
+      </a:fillRef>
+      <a:effectRef idx="0">
+        <a:scrgbClr r="0" g="0" b="0"/>
+      </a:effectRef>
+      <a:fontRef idx="minor"/>
+    </dgm:style>
+  </dgm:styleLbl>
+  <dgm:styleLbl name="fgAcc2">
+    <dgm:scene3d>
+      <a:camera prst="orthographicFront"/>
+      <a:lightRig rig="threePt" dir="t"/>
+    </dgm:scene3d>
+    <dgm:sp3d/>
+    <dgm:txPr/>
+    <dgm:style>
+      <a:lnRef idx="2">
+        <a:scrgbClr r="0" g="0" b="0"/>
+      </a:lnRef>
+      <a:fillRef idx="1">
+        <a:scrgbClr r="0" g="0" b="0"/>
+      </a:fillRef>
+      <a:effectRef idx="0">
+        <a:scrgbClr r="0" g="0" b="0"/>
+      </a:effectRef>
+      <a:fontRef idx="minor"/>
+    </dgm:style>
+  </dgm:styleLbl>
+  <dgm:styleLbl name="fgAcc3">
+    <dgm:scene3d>
+      <a:camera prst="orthographicFront"/>
+      <a:lightRig rig="threePt" dir="t"/>
+    </dgm:scene3d>
+    <dgm:sp3d/>
+    <dgm:txPr/>
+    <dgm:style>
+      <a:lnRef idx="2">
+        <a:scrgbClr r="0" g="0" b="0"/>
+      </a:lnRef>
+      <a:fillRef idx="1">
+        <a:scrgbClr r="0" g="0" b="0"/>
+      </a:fillRef>
+      <a:effectRef idx="0">
+        <a:scrgbClr r="0" g="0" b="0"/>
+      </a:effectRef>
+      <a:fontRef idx="minor"/>
+    </dgm:style>
+  </dgm:styleLbl>
+  <dgm:styleLbl name="fgAcc4">
+    <dgm:scene3d>
+      <a:camera prst="orthographicFront"/>
+      <a:lightRig rig="threePt" dir="t"/>
+    </dgm:scene3d>
+    <dgm:sp3d/>
+    <dgm:txPr/>
+    <dgm:style>
+      <a:lnRef idx="2">
+        <a:scrgbClr r="0" g="0" b="0"/>
+      </a:lnRef>
+      <a:fillRef idx="1">
+        <a:scrgbClr r="0" g="0" b="0"/>
+      </a:fillRef>
+      <a:effectRef idx="0">
+        <a:scrgbClr r="0" g="0" b="0"/>
+      </a:effectRef>
+      <a:fontRef idx="minor"/>
+    </dgm:style>
+  </dgm:styleLbl>
+  <dgm:styleLbl name="bgShp">
+    <dgm:scene3d>
+      <a:camera prst="orthographicFront"/>
+      <a:lightRig rig="threePt" dir="t"/>
+    </dgm:scene3d>
+    <dgm:sp3d/>
+    <dgm:txPr/>
+    <dgm:style>
+      <a:lnRef idx="0">
+        <a:scrgbClr r="0" g="0" b="0"/>
+      </a:lnRef>
+      <a:fillRef idx="1">
+        <a:scrgbClr r="0" g="0" b="0"/>
+      </a:fillRef>
+      <a:effectRef idx="0">
+        <a:scrgbClr r="0" g="0" b="0"/>
+      </a:effectRef>
+      <a:fontRef idx="minor"/>
+    </dgm:style>
+  </dgm:styleLbl>
+  <dgm:styleLbl name="dkBgShp">
+    <dgm:scene3d>
+      <a:camera prst="orthographicFront"/>
+      <a:lightRig rig="threePt" dir="t"/>
+    </dgm:scene3d>
+    <dgm:sp3d/>
+    <dgm:txPr/>
+    <dgm:style>
+      <a:lnRef idx="0">
+        <a:scrgbClr r="0" g="0" b="0"/>
+      </a:lnRef>
+      <a:fillRef idx="1">
+        <a:scrgbClr r="0" g="0" b="0"/>
+      </a:fillRef>
+      <a:effectRef idx="0">
+        <a:scrgbClr r="0" g="0" b="0"/>
+      </a:effectRef>
+      <a:fontRef idx="minor"/>
+    </dgm:style>
+  </dgm:styleLbl>
+  <dgm:styleLbl name="trBgShp">
+    <dgm:scene3d>
+      <a:camera prst="orthographicFront"/>
+      <a:lightRig rig="threePt" dir="t"/>
+    </dgm:scene3d>
+    <dgm:sp3d/>
+    <dgm:txPr/>
+    <dgm:style>
+      <a:lnRef idx="0">
+        <a:scrgbClr r="0" g="0" b="0"/>
+      </a:lnRef>
+      <a:fillRef idx="1">
+        <a:scrgbClr r="0" g="0" b="0"/>
+      </a:fillRef>
+      <a:effectRef idx="0">
+        <a:scrgbClr r="0" g="0" b="0"/>
+      </a:effectRef>
+      <a:fontRef idx="minor"/>
+    </dgm:style>
+  </dgm:styleLbl>
+  <dgm:styleLbl name="fgShp">
+    <dgm:scene3d>
+      <a:camera prst="orthographicFront"/>
+      <a:lightRig rig="threePt" dir="t"/>
+    </dgm:scene3d>
+    <dgm:sp3d/>
+    <dgm:txPr/>
+    <dgm:style>
+      <a:lnRef idx="2">
+        <a:scrgbClr r="0" g="0" b="0"/>
+      </a:lnRef>
+      <a:fillRef idx="1">
+        <a:scrgbClr r="0" g="0" b="0"/>
+      </a:fillRef>
+      <a:effectRef idx="0">
+        <a:scrgbClr r="0" g="0" b="0"/>
+      </a:effectRef>
+      <a:fontRef idx="minor"/>
+    </dgm:style>
+  </dgm:styleLbl>
+  <dgm:styleLbl name="revTx">
+    <dgm:scene3d>
+      <a:camera prst="orthographicFront"/>
+      <a:lightRig rig="threePt" dir="t"/>
+    </dgm:scene3d>
+    <dgm:sp3d/>
+    <dgm:txPr/>
+    <dgm:style>
+      <a:lnRef idx="0">
+        <a:scrgbClr r="0" g="0" b="0"/>
+      </a:lnRef>
+      <a:fillRef idx="0">
+        <a:scrgbClr r="0" g="0" b="0"/>
+      </a:fillRef>
+      <a:effectRef idx="0">
+        <a:scrgbClr r="0" g="0" b="0"/>
+      </a:effectRef>
+      <a:fontRef idx="minor"/>
+    </dgm:style>
+  </dgm:styleLbl>
+</dgm:styleDef>
+</file>
+
 <file path=ppt/slideLayouts/slideLayout1.xml><?xml version="1.0" encoding="utf-8"?>
 <p:sldLayout xmlns:a="http://schemas.openxmlformats.org/drawingml/2006/main" xmlns:r="http://schemas.openxmlformats.org/officeDocument/2006/relationships" xmlns:p="http://schemas.openxmlformats.org/presentationml/2006/main" showMasterSp="0" type="title" preserve="1">
   <p:cSld name="Title Slide">
@@ -248,7 +2589,7 @@
             <a:fld id="{93A957AC-287E-4063-99EA-2976386BE560}" type="datetimeFigureOut">
               <a:rPr lang="en-IE" smtClean="0"/>
               <a:pPr/>
-              <a:t>30/04/2016</a:t>
+              <a:t>01/05/2016</a:t>
             </a:fld>
             <a:endParaRPr lang="en-IE" dirty="0"/>
           </a:p>
@@ -1119,7 +3460,7 @@
             <a:fld id="{93A957AC-287E-4063-99EA-2976386BE560}" type="datetimeFigureOut">
               <a:rPr lang="en-IE" smtClean="0"/>
               <a:pPr/>
-              <a:t>30/04/2016</a:t>
+              <a:t>01/05/2016</a:t>
             </a:fld>
             <a:endParaRPr lang="en-IE" dirty="0"/>
           </a:p>
@@ -1296,7 +3637,7 @@
             <a:fld id="{93A957AC-287E-4063-99EA-2976386BE560}" type="datetimeFigureOut">
               <a:rPr lang="en-IE" smtClean="0"/>
               <a:pPr/>
-              <a:t>30/04/2016</a:t>
+              <a:t>01/05/2016</a:t>
             </a:fld>
             <a:endParaRPr lang="en-IE" dirty="0"/>
           </a:p>
@@ -1468,7 +3809,7 @@
             <a:fld id="{93A957AC-287E-4063-99EA-2976386BE560}" type="datetimeFigureOut">
               <a:rPr lang="en-IE" smtClean="0"/>
               <a:pPr/>
-              <a:t>30/04/2016</a:t>
+              <a:t>01/05/2016</a:t>
             </a:fld>
             <a:endParaRPr lang="en-IE" dirty="0"/>
           </a:p>
@@ -1680,7 +4021,7 @@
             <a:fld id="{93A957AC-287E-4063-99EA-2976386BE560}" type="datetimeFigureOut">
               <a:rPr lang="en-IE" smtClean="0"/>
               <a:pPr/>
-              <a:t>30/04/2016</a:t>
+              <a:t>01/05/2016</a:t>
             </a:fld>
             <a:endParaRPr lang="en-IE" dirty="0"/>
           </a:p>
@@ -2496,7 +4837,7 @@
             <a:fld id="{93A957AC-287E-4063-99EA-2976386BE560}" type="datetimeFigureOut">
               <a:rPr lang="en-IE" smtClean="0"/>
               <a:pPr/>
-              <a:t>30/04/2016</a:t>
+              <a:t>01/05/2016</a:t>
             </a:fld>
             <a:endParaRPr lang="en-IE" dirty="0"/>
           </a:p>
@@ -2734,7 +5075,7 @@
             <a:fld id="{93A957AC-287E-4063-99EA-2976386BE560}" type="datetimeFigureOut">
               <a:rPr lang="en-IE" smtClean="0"/>
               <a:pPr/>
-              <a:t>30/04/2016</a:t>
+              <a:t>01/05/2016</a:t>
             </a:fld>
             <a:endParaRPr lang="en-IE" dirty="0"/>
           </a:p>
@@ -3059,7 +5400,7 @@
             <a:fld id="{93A957AC-287E-4063-99EA-2976386BE560}" type="datetimeFigureOut">
               <a:rPr lang="en-IE" smtClean="0"/>
               <a:pPr/>
-              <a:t>30/04/2016</a:t>
+              <a:t>01/05/2016</a:t>
             </a:fld>
             <a:endParaRPr lang="en-IE" dirty="0"/>
           </a:p>
@@ -3151,7 +5492,7 @@
             <a:fld id="{93A957AC-287E-4063-99EA-2976386BE560}" type="datetimeFigureOut">
               <a:rPr lang="en-IE" smtClean="0"/>
               <a:pPr/>
-              <a:t>30/04/2016</a:t>
+              <a:t>01/05/2016</a:t>
             </a:fld>
             <a:endParaRPr lang="en-IE" dirty="0"/>
           </a:p>
@@ -3670,7 +6011,7 @@
             <a:fld id="{93A957AC-287E-4063-99EA-2976386BE560}" type="datetimeFigureOut">
               <a:rPr lang="en-IE" smtClean="0"/>
               <a:pPr/>
-              <a:t>30/04/2016</a:t>
+              <a:t>01/05/2016</a:t>
             </a:fld>
             <a:endParaRPr lang="en-IE" dirty="0"/>
           </a:p>
@@ -4183,7 +6524,7 @@
             <a:fld id="{93A957AC-287E-4063-99EA-2976386BE560}" type="datetimeFigureOut">
               <a:rPr lang="en-IE" smtClean="0"/>
               <a:pPr/>
-              <a:t>30/04/2016</a:t>
+              <a:t>01/05/2016</a:t>
             </a:fld>
             <a:endParaRPr lang="en-IE" dirty="0"/>
           </a:p>
@@ -4430,7 +6771,7 @@
             <a:fld id="{93A957AC-287E-4063-99EA-2976386BE560}" type="datetimeFigureOut">
               <a:rPr lang="en-IE" smtClean="0"/>
               <a:pPr/>
-              <a:t>30/04/2016</a:t>
+              <a:t>01/05/2016</a:t>
             </a:fld>
             <a:endParaRPr lang="en-IE" dirty="0"/>
           </a:p>
@@ -5285,7 +7626,6 @@
               <a:rPr lang="en-IE" sz="1400" b="1" i="1" dirty="0" smtClean="0"/>
               <a:t>Send OPTIONS</a:t>
             </a:r>
-            <a:endParaRPr lang="en-IE" sz="1400" b="1" i="1" dirty="0" smtClean="0"/>
           </a:p>
         </p:txBody>
       </p:sp>
@@ -5353,7 +7693,6 @@
               <a:rPr lang="en-IE" sz="1400" b="1" i="1" dirty="0" smtClean="0"/>
               <a:t>ACK OPTIONS</a:t>
             </a:r>
-            <a:endParaRPr lang="en-IE" sz="1400" b="1" i="1" dirty="0" smtClean="0"/>
           </a:p>
         </p:txBody>
       </p:sp>
@@ -5501,7 +7840,6 @@
               <a:rPr lang="en-IE" sz="1400" b="1" i="1" dirty="0" smtClean="0"/>
               <a:t>Send SONG_SELECT</a:t>
             </a:r>
-            <a:endParaRPr lang="en-IE" sz="1400" b="1" i="1" dirty="0" smtClean="0"/>
           </a:p>
         </p:txBody>
       </p:sp>
@@ -5531,7 +7869,6 @@
               <a:rPr lang="en-IE" sz="1400" b="1" i="1" dirty="0" smtClean="0"/>
               <a:t>ACK SONG_SELECT</a:t>
             </a:r>
-            <a:endParaRPr lang="en-IE" sz="1400" b="1" i="1" dirty="0" smtClean="0"/>
           </a:p>
         </p:txBody>
       </p:sp>
@@ -5637,7 +7974,6 @@
               <a:rPr lang="en-IE" sz="1400" b="1" i="1" dirty="0" smtClean="0"/>
               <a:t>Send SONG_SELECTED</a:t>
             </a:r>
-            <a:endParaRPr lang="en-IE" sz="1400" b="1" i="1" dirty="0" smtClean="0"/>
           </a:p>
         </p:txBody>
       </p:sp>
@@ -5667,7 +8003,6 @@
               <a:rPr lang="en-IE" sz="1400" b="1" i="1" dirty="0" smtClean="0"/>
               <a:t>ACK SONG_SELECTED</a:t>
             </a:r>
-            <a:endParaRPr lang="en-IE" sz="1400" b="1" i="1" dirty="0" smtClean="0"/>
           </a:p>
         </p:txBody>
       </p:sp>
@@ -5920,7 +8255,6 @@
               <a:rPr lang="en-IE" sz="1400" b="1" i="1" dirty="0" smtClean="0"/>
               <a:t>Send OPTIONS</a:t>
             </a:r>
-            <a:endParaRPr lang="en-IE" sz="1400" b="1" i="1" dirty="0" smtClean="0"/>
           </a:p>
         </p:txBody>
       </p:sp>
@@ -5988,7 +8322,6 @@
               <a:rPr lang="en-IE" sz="1400" b="1" i="1" dirty="0" smtClean="0"/>
               <a:t>ACK OPTIONS</a:t>
             </a:r>
-            <a:endParaRPr lang="en-IE" sz="1400" b="1" i="1" dirty="0" smtClean="0"/>
           </a:p>
         </p:txBody>
       </p:sp>
@@ -6136,7 +8469,6 @@
               <a:rPr lang="en-IE" sz="1400" b="1" i="1" dirty="0" smtClean="0"/>
               <a:t>Send DJ_COMMENT</a:t>
             </a:r>
-            <a:endParaRPr lang="en-IE" sz="1400" b="1" i="1" dirty="0" smtClean="0"/>
           </a:p>
         </p:txBody>
       </p:sp>
@@ -6166,7 +8498,6 @@
               <a:rPr lang="en-IE" sz="1400" b="1" i="1" dirty="0" smtClean="0"/>
               <a:t>ACK DJ_COMMENT</a:t>
             </a:r>
-            <a:endParaRPr lang="en-IE" sz="1400" b="1" i="1" dirty="0" smtClean="0"/>
           </a:p>
         </p:txBody>
       </p:sp>
@@ -6419,7 +8750,6 @@
               <a:rPr lang="en-IE" sz="1400" b="1" i="1" dirty="0" smtClean="0"/>
               <a:t>Send OPTIONS</a:t>
             </a:r>
-            <a:endParaRPr lang="en-IE" sz="1400" b="1" i="1" dirty="0" smtClean="0"/>
           </a:p>
         </p:txBody>
       </p:sp>
@@ -6487,7 +8817,6 @@
               <a:rPr lang="en-IE" sz="1400" b="1" i="1" dirty="0" smtClean="0"/>
               <a:t>ACK OPTIONS</a:t>
             </a:r>
-            <a:endParaRPr lang="en-IE" sz="1400" b="1" i="1" dirty="0" smtClean="0"/>
           </a:p>
         </p:txBody>
       </p:sp>
@@ -6635,7 +8964,6 @@
               <a:rPr lang="en-IE" sz="1400" b="1" i="1" dirty="0" smtClean="0"/>
               <a:t>Send SKIP_SONG</a:t>
             </a:r>
-            <a:endParaRPr lang="en-IE" sz="1400" b="1" i="1" dirty="0" smtClean="0"/>
           </a:p>
         </p:txBody>
       </p:sp>
@@ -6663,13 +8991,8 @@
           <a:p>
             <a:r>
               <a:rPr lang="en-IE" sz="1400" b="1" i="1" dirty="0" smtClean="0"/>
-              <a:t>ACK </a:t>
+              <a:t>ACK SKIP_SONG</a:t>
             </a:r>
-            <a:r>
-              <a:rPr lang="en-IE" sz="1400" b="1" i="1" dirty="0" smtClean="0"/>
-              <a:t>SKIP_SONG</a:t>
-            </a:r>
-            <a:endParaRPr lang="en-IE" sz="1400" b="1" i="1" dirty="0" smtClean="0"/>
           </a:p>
         </p:txBody>
       </p:sp>
@@ -6711,6 +9034,47 @@
           </a:fontRef>
         </p:style>
       </p:cxnSp>
+    </p:spTree>
+  </p:cSld>
+  <p:clrMapOvr>
+    <a:masterClrMapping/>
+  </p:clrMapOvr>
+</p:sld>
+</file>
+
+<file path=ppt/slides/slide5.xml><?xml version="1.0" encoding="utf-8"?>
+<p:sld xmlns:a="http://schemas.openxmlformats.org/drawingml/2006/main" xmlns:r="http://schemas.openxmlformats.org/officeDocument/2006/relationships" xmlns:p="http://schemas.openxmlformats.org/presentationml/2006/main">
+  <p:cSld>
+    <p:spTree>
+      <p:nvGrpSpPr>
+        <p:cNvPr id="1" name=""/>
+        <p:cNvGrpSpPr/>
+        <p:nvPr/>
+      </p:nvGrpSpPr>
+      <p:grpSpPr>
+        <a:xfrm>
+          <a:off x="0" y="0"/>
+          <a:ext cx="0" cy="0"/>
+          <a:chOff x="0" y="0"/>
+          <a:chExt cx="0" cy="0"/>
+        </a:xfrm>
+      </p:grpSpPr>
+      <p:graphicFrame>
+        <p:nvGraphicFramePr>
+          <p:cNvPr id="4" name="Diagram 3"/>
+          <p:cNvGraphicFramePr/>
+          <p:nvPr/>
+        </p:nvGraphicFramePr>
+        <p:xfrm>
+          <a:off x="1000100" y="428604"/>
+          <a:ext cx="6691338" cy="5357850"/>
+        </p:xfrm>
+        <a:graphic>
+          <a:graphicData uri="http://schemas.openxmlformats.org/drawingml/2006/diagram">
+            <dgm:relIds xmlns:dgm="http://schemas.openxmlformats.org/drawingml/2006/diagram" xmlns:r="http://schemas.openxmlformats.org/officeDocument/2006/relationships" r:dm="rId2" r:lo="rId3" r:qs="rId4" r:cs="rId5"/>
+          </a:graphicData>
+        </a:graphic>
+      </p:graphicFrame>
     </p:spTree>
   </p:cSld>
   <p:clrMapOvr>
